--- a/Dotnet/dotnet Session 1.pptx
+++ b/Dotnet/dotnet Session 1.pptx
@@ -12410,10 +12410,10 @@
         <a:lstStyle/>
         <a:p>
           <a:r>
-            <a:rPr lang="en-GB" dirty="0"/>
+            <a:rPr lang="en-GB" u="sng" dirty="0"/>
             <a:t>Notes app API</a:t>
           </a:r>
-          <a:endParaRPr lang="fr-FR" dirty="0"/>
+          <a:endParaRPr lang="fr-FR" u="sng" dirty="0"/>
         </a:p>
       </dgm:t>
     </dgm:pt>
@@ -17992,10 +17992,10 @@
             <a:buChar char="•"/>
           </a:pPr>
           <a:r>
-            <a:rPr lang="en-GB" sz="1700" kern="1200" dirty="0"/>
+            <a:rPr lang="en-GB" sz="1700" u="sng" kern="1200" dirty="0"/>
             <a:t>Notes app API</a:t>
           </a:r>
-          <a:endParaRPr lang="fr-FR" sz="1700" kern="1200" dirty="0"/>
+          <a:endParaRPr lang="fr-FR" sz="1700" u="sng" kern="1200" dirty="0"/>
         </a:p>
         <a:p>
           <a:pPr marL="342900" lvl="2" indent="-171450" algn="l" defTabSz="755650">
@@ -37177,7 +37177,7 @@
           <a:p>
             <a:fld id="{C2E97FD6-B269-4CD7-A073-512C01108090}" type="datetimeFigureOut">
               <a:rPr lang="fr-FR" smtClean="0"/>
-              <a:t>26/09/2023</a:t>
+              <a:t>27/09/2023</a:t>
             </a:fld>
             <a:endParaRPr lang="fr-FR"/>
           </a:p>
@@ -37385,7 +37385,7 @@
           <a:p>
             <a:fld id="{C2E97FD6-B269-4CD7-A073-512C01108090}" type="datetimeFigureOut">
               <a:rPr lang="fr-FR" smtClean="0"/>
-              <a:t>26/09/2023</a:t>
+              <a:t>27/09/2023</a:t>
             </a:fld>
             <a:endParaRPr lang="fr-FR"/>
           </a:p>
@@ -37641,7 +37641,7 @@
           <a:p>
             <a:fld id="{C2E97FD6-B269-4CD7-A073-512C01108090}" type="datetimeFigureOut">
               <a:rPr lang="fr-FR" smtClean="0"/>
-              <a:t>26/09/2023</a:t>
+              <a:t>27/09/2023</a:t>
             </a:fld>
             <a:endParaRPr lang="fr-FR"/>
           </a:p>
@@ -37811,7 +37811,7 @@
           <a:p>
             <a:fld id="{C2E97FD6-B269-4CD7-A073-512C01108090}" type="datetimeFigureOut">
               <a:rPr lang="fr-FR" smtClean="0"/>
-              <a:t>26/09/2023</a:t>
+              <a:t>27/09/2023</a:t>
             </a:fld>
             <a:endParaRPr lang="fr-FR"/>
           </a:p>
@@ -38154,7 +38154,7 @@
           <a:p>
             <a:fld id="{C2E97FD6-B269-4CD7-A073-512C01108090}" type="datetimeFigureOut">
               <a:rPr lang="fr-FR" smtClean="0"/>
-              <a:t>26/09/2023</a:t>
+              <a:t>27/09/2023</a:t>
             </a:fld>
             <a:endParaRPr lang="fr-FR"/>
           </a:p>
@@ -38429,7 +38429,7 @@
           <a:p>
             <a:fld id="{C2E97FD6-B269-4CD7-A073-512C01108090}" type="datetimeFigureOut">
               <a:rPr lang="fr-FR" smtClean="0"/>
-              <a:t>26/09/2023</a:t>
+              <a:t>27/09/2023</a:t>
             </a:fld>
             <a:endParaRPr lang="fr-FR"/>
           </a:p>
@@ -38808,7 +38808,7 @@
           <a:p>
             <a:fld id="{C2E97FD6-B269-4CD7-A073-512C01108090}" type="datetimeFigureOut">
               <a:rPr lang="fr-FR" smtClean="0"/>
-              <a:t>26/09/2023</a:t>
+              <a:t>27/09/2023</a:t>
             </a:fld>
             <a:endParaRPr lang="fr-FR"/>
           </a:p>
@@ -38926,7 +38926,7 @@
           <a:p>
             <a:fld id="{C2E97FD6-B269-4CD7-A073-512C01108090}" type="datetimeFigureOut">
               <a:rPr lang="fr-FR" smtClean="0"/>
-              <a:t>26/09/2023</a:t>
+              <a:t>27/09/2023</a:t>
             </a:fld>
             <a:endParaRPr lang="fr-FR"/>
           </a:p>
@@ -39097,7 +39097,7 @@
           <a:p>
             <a:fld id="{C2E97FD6-B269-4CD7-A073-512C01108090}" type="datetimeFigureOut">
               <a:rPr lang="fr-FR" smtClean="0"/>
-              <a:t>26/09/2023</a:t>
+              <a:t>27/09/2023</a:t>
             </a:fld>
             <a:endParaRPr lang="fr-FR"/>
           </a:p>
@@ -39451,7 +39451,7 @@
           <a:p>
             <a:fld id="{C2E97FD6-B269-4CD7-A073-512C01108090}" type="datetimeFigureOut">
               <a:rPr lang="fr-FR" smtClean="0"/>
-              <a:t>26/09/2023</a:t>
+              <a:t>27/09/2023</a:t>
             </a:fld>
             <a:endParaRPr lang="fr-FR"/>
           </a:p>
@@ -39828,7 +39828,7 @@
           <a:p>
             <a:fld id="{C2E97FD6-B269-4CD7-A073-512C01108090}" type="datetimeFigureOut">
               <a:rPr lang="fr-FR" smtClean="0"/>
-              <a:t>26/09/2023</a:t>
+              <a:t>27/09/2023</a:t>
             </a:fld>
             <a:endParaRPr lang="fr-FR"/>
           </a:p>
@@ -40115,7 +40115,7 @@
           <a:p>
             <a:fld id="{C2E97FD6-B269-4CD7-A073-512C01108090}" type="datetimeFigureOut">
               <a:rPr lang="fr-FR" smtClean="0"/>
-              <a:t>26/09/2023</a:t>
+              <a:t>27/09/2023</a:t>
             </a:fld>
             <a:endParaRPr lang="fr-FR"/>
           </a:p>
@@ -40771,6 +40771,48 @@
           </a:prstGeom>
         </p:spPr>
       </p:pic>
+      <p:sp>
+        <p:nvSpPr>
+          <p:cNvPr id="5" name="TextBox 4">
+            <a:extLst>
+              <a:ext uri="{FF2B5EF4-FFF2-40B4-BE49-F238E27FC236}">
+                <a16:creationId xmlns:a16="http://schemas.microsoft.com/office/drawing/2014/main" id="{779AB2AE-6F22-4B8A-89B3-AD8397D35C9A}"/>
+              </a:ext>
+            </a:extLst>
+          </p:cNvPr>
+          <p:cNvSpPr txBox="1"/>
+          <p:nvPr/>
+        </p:nvSpPr>
+        <p:spPr>
+          <a:xfrm>
+            <a:off x="1097280" y="6409081"/>
+            <a:ext cx="6964540" cy="369332"/>
+          </a:xfrm>
+          <a:prstGeom prst="rect">
+            <a:avLst/>
+          </a:prstGeom>
+          <a:noFill/>
+        </p:spPr>
+        <p:txBody>
+          <a:bodyPr wrap="square">
+            <a:spAutoFit/>
+          </a:bodyPr>
+          <a:lstStyle/>
+          <a:p>
+            <a:r>
+              <a:rPr lang="en-GB" dirty="0">
+                <a:solidFill>
+                  <a:schemeClr val="accent1">
+                    <a:lumMod val="50000"/>
+                  </a:schemeClr>
+                </a:solidFill>
+              </a:rPr>
+              <a:t>Code Mentor Mauritius - Dotnet Sessions – Full Stack Web Development</a:t>
+            </a:r>
+            <a:endParaRPr lang="fr-FR" dirty="0"/>
+          </a:p>
+        </p:txBody>
+      </p:sp>
     </p:spTree>
     <p:extLst>
       <p:ext uri="{BB962C8B-B14F-4D97-AF65-F5344CB8AC3E}">
@@ -40944,6 +40986,48 @@
           </a:prstGeom>
         </p:spPr>
       </p:pic>
+      <p:sp>
+        <p:nvSpPr>
+          <p:cNvPr id="6" name="TextBox 5">
+            <a:extLst>
+              <a:ext uri="{FF2B5EF4-FFF2-40B4-BE49-F238E27FC236}">
+                <a16:creationId xmlns:a16="http://schemas.microsoft.com/office/drawing/2014/main" id="{4724F1E2-B1F1-4888-813B-146E61BE8E89}"/>
+              </a:ext>
+            </a:extLst>
+          </p:cNvPr>
+          <p:cNvSpPr txBox="1"/>
+          <p:nvPr/>
+        </p:nvSpPr>
+        <p:spPr>
+          <a:xfrm>
+            <a:off x="1097280" y="6409081"/>
+            <a:ext cx="6964540" cy="369332"/>
+          </a:xfrm>
+          <a:prstGeom prst="rect">
+            <a:avLst/>
+          </a:prstGeom>
+          <a:noFill/>
+        </p:spPr>
+        <p:txBody>
+          <a:bodyPr wrap="square">
+            <a:spAutoFit/>
+          </a:bodyPr>
+          <a:lstStyle/>
+          <a:p>
+            <a:r>
+              <a:rPr lang="en-GB" dirty="0">
+                <a:solidFill>
+                  <a:schemeClr val="accent1">
+                    <a:lumMod val="50000"/>
+                  </a:schemeClr>
+                </a:solidFill>
+              </a:rPr>
+              <a:t>Code Mentor Mauritius - Dotnet Sessions – Full Stack Web Development</a:t>
+            </a:r>
+            <a:endParaRPr lang="fr-FR" dirty="0"/>
+          </a:p>
+        </p:txBody>
+      </p:sp>
     </p:spTree>
     <p:extLst>
       <p:ext uri="{BB962C8B-B14F-4D97-AF65-F5344CB8AC3E}">
@@ -41087,6 +41171,48 @@
           </a:prstGeom>
         </p:spPr>
       </p:pic>
+      <p:sp>
+        <p:nvSpPr>
+          <p:cNvPr id="6" name="TextBox 5">
+            <a:extLst>
+              <a:ext uri="{FF2B5EF4-FFF2-40B4-BE49-F238E27FC236}">
+                <a16:creationId xmlns:a16="http://schemas.microsoft.com/office/drawing/2014/main" id="{3A29C8D2-AFBD-4A94-A6E6-74758E79BFA5}"/>
+              </a:ext>
+            </a:extLst>
+          </p:cNvPr>
+          <p:cNvSpPr txBox="1"/>
+          <p:nvPr/>
+        </p:nvSpPr>
+        <p:spPr>
+          <a:xfrm>
+            <a:off x="1097280" y="6409081"/>
+            <a:ext cx="6964540" cy="369332"/>
+          </a:xfrm>
+          <a:prstGeom prst="rect">
+            <a:avLst/>
+          </a:prstGeom>
+          <a:noFill/>
+        </p:spPr>
+        <p:txBody>
+          <a:bodyPr wrap="square">
+            <a:spAutoFit/>
+          </a:bodyPr>
+          <a:lstStyle/>
+          <a:p>
+            <a:r>
+              <a:rPr lang="en-GB" dirty="0">
+                <a:solidFill>
+                  <a:schemeClr val="accent1">
+                    <a:lumMod val="50000"/>
+                  </a:schemeClr>
+                </a:solidFill>
+              </a:rPr>
+              <a:t>Code Mentor Mauritius - Dotnet Sessions – Full Stack Web Development</a:t>
+            </a:r>
+            <a:endParaRPr lang="fr-FR" dirty="0"/>
+          </a:p>
+        </p:txBody>
+      </p:sp>
     </p:spTree>
     <p:extLst>
       <p:ext uri="{BB962C8B-B14F-4D97-AF65-F5344CB8AC3E}">
@@ -41230,6 +41356,48 @@
           </a:prstGeom>
         </p:spPr>
       </p:pic>
+      <p:sp>
+        <p:nvSpPr>
+          <p:cNvPr id="6" name="TextBox 5">
+            <a:extLst>
+              <a:ext uri="{FF2B5EF4-FFF2-40B4-BE49-F238E27FC236}">
+                <a16:creationId xmlns:a16="http://schemas.microsoft.com/office/drawing/2014/main" id="{21F49A56-988E-489F-A88C-BBCE9714C371}"/>
+              </a:ext>
+            </a:extLst>
+          </p:cNvPr>
+          <p:cNvSpPr txBox="1"/>
+          <p:nvPr/>
+        </p:nvSpPr>
+        <p:spPr>
+          <a:xfrm>
+            <a:off x="1097280" y="6409081"/>
+            <a:ext cx="6964540" cy="369332"/>
+          </a:xfrm>
+          <a:prstGeom prst="rect">
+            <a:avLst/>
+          </a:prstGeom>
+          <a:noFill/>
+        </p:spPr>
+        <p:txBody>
+          <a:bodyPr wrap="square">
+            <a:spAutoFit/>
+          </a:bodyPr>
+          <a:lstStyle/>
+          <a:p>
+            <a:r>
+              <a:rPr lang="en-GB" dirty="0">
+                <a:solidFill>
+                  <a:schemeClr val="accent1">
+                    <a:lumMod val="50000"/>
+                  </a:schemeClr>
+                </a:solidFill>
+              </a:rPr>
+              <a:t>Code Mentor Mauritius - Dotnet Sessions – Full Stack Web Development</a:t>
+            </a:r>
+            <a:endParaRPr lang="fr-FR" dirty="0"/>
+          </a:p>
+        </p:txBody>
+      </p:sp>
     </p:spTree>
     <p:extLst>
       <p:ext uri="{BB962C8B-B14F-4D97-AF65-F5344CB8AC3E}">
@@ -41365,6 +41533,48 @@
           </a:prstGeom>
         </p:spPr>
       </p:pic>
+      <p:sp>
+        <p:nvSpPr>
+          <p:cNvPr id="6" name="TextBox 5">
+            <a:extLst>
+              <a:ext uri="{FF2B5EF4-FFF2-40B4-BE49-F238E27FC236}">
+                <a16:creationId xmlns:a16="http://schemas.microsoft.com/office/drawing/2014/main" id="{6A8B8322-2D60-4C2F-B988-A746D1F34CB5}"/>
+              </a:ext>
+            </a:extLst>
+          </p:cNvPr>
+          <p:cNvSpPr txBox="1"/>
+          <p:nvPr/>
+        </p:nvSpPr>
+        <p:spPr>
+          <a:xfrm>
+            <a:off x="1097280" y="6409081"/>
+            <a:ext cx="6964540" cy="369332"/>
+          </a:xfrm>
+          <a:prstGeom prst="rect">
+            <a:avLst/>
+          </a:prstGeom>
+          <a:noFill/>
+        </p:spPr>
+        <p:txBody>
+          <a:bodyPr wrap="square">
+            <a:spAutoFit/>
+          </a:bodyPr>
+          <a:lstStyle/>
+          <a:p>
+            <a:r>
+              <a:rPr lang="en-GB" dirty="0">
+                <a:solidFill>
+                  <a:schemeClr val="accent1">
+                    <a:lumMod val="50000"/>
+                  </a:schemeClr>
+                </a:solidFill>
+              </a:rPr>
+              <a:t>Code Mentor Mauritius - Dotnet Sessions – Full Stack Web Development</a:t>
+            </a:r>
+            <a:endParaRPr lang="fr-FR" dirty="0"/>
+          </a:p>
+        </p:txBody>
+      </p:sp>
     </p:spTree>
     <p:extLst>
       <p:ext uri="{BB962C8B-B14F-4D97-AF65-F5344CB8AC3E}">
@@ -41530,6 +41740,48 @@
           </a:prstGeom>
         </p:spPr>
       </p:pic>
+      <p:sp>
+        <p:nvSpPr>
+          <p:cNvPr id="7" name="TextBox 6">
+            <a:extLst>
+              <a:ext uri="{FF2B5EF4-FFF2-40B4-BE49-F238E27FC236}">
+                <a16:creationId xmlns:a16="http://schemas.microsoft.com/office/drawing/2014/main" id="{E35A7629-BCEC-497D-91CF-235D91B2AE76}"/>
+              </a:ext>
+            </a:extLst>
+          </p:cNvPr>
+          <p:cNvSpPr txBox="1"/>
+          <p:nvPr/>
+        </p:nvSpPr>
+        <p:spPr>
+          <a:xfrm>
+            <a:off x="1097280" y="6409081"/>
+            <a:ext cx="6964540" cy="369332"/>
+          </a:xfrm>
+          <a:prstGeom prst="rect">
+            <a:avLst/>
+          </a:prstGeom>
+          <a:noFill/>
+        </p:spPr>
+        <p:txBody>
+          <a:bodyPr wrap="square">
+            <a:spAutoFit/>
+          </a:bodyPr>
+          <a:lstStyle/>
+          <a:p>
+            <a:r>
+              <a:rPr lang="en-GB" dirty="0">
+                <a:solidFill>
+                  <a:schemeClr val="accent1">
+                    <a:lumMod val="50000"/>
+                  </a:schemeClr>
+                </a:solidFill>
+              </a:rPr>
+              <a:t>Code Mentor Mauritius - Dotnet Sessions – Full Stack Web Development</a:t>
+            </a:r>
+            <a:endParaRPr lang="fr-FR" dirty="0"/>
+          </a:p>
+        </p:txBody>
+      </p:sp>
     </p:spTree>
     <p:extLst>
       <p:ext uri="{BB962C8B-B14F-4D97-AF65-F5344CB8AC3E}">
@@ -41725,6 +41977,48 @@
           </a:prstGeom>
         </p:spPr>
       </p:pic>
+      <p:sp>
+        <p:nvSpPr>
+          <p:cNvPr id="8" name="TextBox 7">
+            <a:extLst>
+              <a:ext uri="{FF2B5EF4-FFF2-40B4-BE49-F238E27FC236}">
+                <a16:creationId xmlns:a16="http://schemas.microsoft.com/office/drawing/2014/main" id="{58124FA3-D7AC-41B4-842A-2BE7ECA110AC}"/>
+              </a:ext>
+            </a:extLst>
+          </p:cNvPr>
+          <p:cNvSpPr txBox="1"/>
+          <p:nvPr/>
+        </p:nvSpPr>
+        <p:spPr>
+          <a:xfrm>
+            <a:off x="1097280" y="6409081"/>
+            <a:ext cx="6964540" cy="369332"/>
+          </a:xfrm>
+          <a:prstGeom prst="rect">
+            <a:avLst/>
+          </a:prstGeom>
+          <a:noFill/>
+        </p:spPr>
+        <p:txBody>
+          <a:bodyPr wrap="square">
+            <a:spAutoFit/>
+          </a:bodyPr>
+          <a:lstStyle/>
+          <a:p>
+            <a:r>
+              <a:rPr lang="en-GB" dirty="0">
+                <a:solidFill>
+                  <a:schemeClr val="accent1">
+                    <a:lumMod val="50000"/>
+                  </a:schemeClr>
+                </a:solidFill>
+              </a:rPr>
+              <a:t>Code Mentor Mauritius - Dotnet Sessions – Full Stack Web Development</a:t>
+            </a:r>
+            <a:endParaRPr lang="fr-FR" dirty="0"/>
+          </a:p>
+        </p:txBody>
+      </p:sp>
     </p:spTree>
     <p:extLst>
       <p:ext uri="{BB962C8B-B14F-4D97-AF65-F5344CB8AC3E}">
@@ -41890,6 +42184,48 @@
           </a:prstGeom>
         </p:spPr>
       </p:pic>
+      <p:sp>
+        <p:nvSpPr>
+          <p:cNvPr id="7" name="TextBox 6">
+            <a:extLst>
+              <a:ext uri="{FF2B5EF4-FFF2-40B4-BE49-F238E27FC236}">
+                <a16:creationId xmlns:a16="http://schemas.microsoft.com/office/drawing/2014/main" id="{CC7010E2-CF14-4707-A815-5164D5C65265}"/>
+              </a:ext>
+            </a:extLst>
+          </p:cNvPr>
+          <p:cNvSpPr txBox="1"/>
+          <p:nvPr/>
+        </p:nvSpPr>
+        <p:spPr>
+          <a:xfrm>
+            <a:off x="1097280" y="6409081"/>
+            <a:ext cx="6964540" cy="369332"/>
+          </a:xfrm>
+          <a:prstGeom prst="rect">
+            <a:avLst/>
+          </a:prstGeom>
+          <a:noFill/>
+        </p:spPr>
+        <p:txBody>
+          <a:bodyPr wrap="square">
+            <a:spAutoFit/>
+          </a:bodyPr>
+          <a:lstStyle/>
+          <a:p>
+            <a:r>
+              <a:rPr lang="en-GB" dirty="0">
+                <a:solidFill>
+                  <a:schemeClr val="accent1">
+                    <a:lumMod val="50000"/>
+                  </a:schemeClr>
+                </a:solidFill>
+              </a:rPr>
+              <a:t>Code Mentor Mauritius - Dotnet Sessions – Full Stack Web Development</a:t>
+            </a:r>
+            <a:endParaRPr lang="fr-FR" dirty="0"/>
+          </a:p>
+        </p:txBody>
+      </p:sp>
     </p:spTree>
     <p:extLst>
       <p:ext uri="{BB962C8B-B14F-4D97-AF65-F5344CB8AC3E}">
@@ -42025,6 +42361,48 @@
           </a:prstGeom>
         </p:spPr>
       </p:pic>
+      <p:sp>
+        <p:nvSpPr>
+          <p:cNvPr id="6" name="TextBox 5">
+            <a:extLst>
+              <a:ext uri="{FF2B5EF4-FFF2-40B4-BE49-F238E27FC236}">
+                <a16:creationId xmlns:a16="http://schemas.microsoft.com/office/drawing/2014/main" id="{1D605F66-4DCD-4191-A612-EC2D42DD750B}"/>
+              </a:ext>
+            </a:extLst>
+          </p:cNvPr>
+          <p:cNvSpPr txBox="1"/>
+          <p:nvPr/>
+        </p:nvSpPr>
+        <p:spPr>
+          <a:xfrm>
+            <a:off x="1097280" y="6409081"/>
+            <a:ext cx="6964540" cy="369332"/>
+          </a:xfrm>
+          <a:prstGeom prst="rect">
+            <a:avLst/>
+          </a:prstGeom>
+          <a:noFill/>
+        </p:spPr>
+        <p:txBody>
+          <a:bodyPr wrap="square">
+            <a:spAutoFit/>
+          </a:bodyPr>
+          <a:lstStyle/>
+          <a:p>
+            <a:r>
+              <a:rPr lang="en-GB" dirty="0">
+                <a:solidFill>
+                  <a:schemeClr val="accent1">
+                    <a:lumMod val="50000"/>
+                  </a:schemeClr>
+                </a:solidFill>
+              </a:rPr>
+              <a:t>Code Mentor Mauritius - Dotnet Sessions – Full Stack Web Development</a:t>
+            </a:r>
+            <a:endParaRPr lang="fr-FR" dirty="0"/>
+          </a:p>
+        </p:txBody>
+      </p:sp>
     </p:spTree>
     <p:extLst>
       <p:ext uri="{BB962C8B-B14F-4D97-AF65-F5344CB8AC3E}">
@@ -42160,6 +42538,48 @@
           </a:prstGeom>
         </p:spPr>
       </p:pic>
+      <p:sp>
+        <p:nvSpPr>
+          <p:cNvPr id="6" name="TextBox 5">
+            <a:extLst>
+              <a:ext uri="{FF2B5EF4-FFF2-40B4-BE49-F238E27FC236}">
+                <a16:creationId xmlns:a16="http://schemas.microsoft.com/office/drawing/2014/main" id="{E4C4A056-C937-4CB8-A790-7DF11C9AEBF7}"/>
+              </a:ext>
+            </a:extLst>
+          </p:cNvPr>
+          <p:cNvSpPr txBox="1"/>
+          <p:nvPr/>
+        </p:nvSpPr>
+        <p:spPr>
+          <a:xfrm>
+            <a:off x="1097280" y="6409081"/>
+            <a:ext cx="6964540" cy="369332"/>
+          </a:xfrm>
+          <a:prstGeom prst="rect">
+            <a:avLst/>
+          </a:prstGeom>
+          <a:noFill/>
+        </p:spPr>
+        <p:txBody>
+          <a:bodyPr wrap="square">
+            <a:spAutoFit/>
+          </a:bodyPr>
+          <a:lstStyle/>
+          <a:p>
+            <a:r>
+              <a:rPr lang="en-GB" dirty="0">
+                <a:solidFill>
+                  <a:schemeClr val="accent1">
+                    <a:lumMod val="50000"/>
+                  </a:schemeClr>
+                </a:solidFill>
+              </a:rPr>
+              <a:t>Code Mentor Mauritius - Dotnet Sessions – Full Stack Web Development</a:t>
+            </a:r>
+            <a:endParaRPr lang="fr-FR" dirty="0"/>
+          </a:p>
+        </p:txBody>
+      </p:sp>
     </p:spTree>
     <p:extLst>
       <p:ext uri="{BB962C8B-B14F-4D97-AF65-F5344CB8AC3E}">
@@ -42235,7 +42655,7 @@
             <p:ph idx="1"/>
             <p:extLst>
               <p:ext uri="{D42A27DB-BD31-4B8C-83A1-F6EECF244321}">
-                <p14:modId xmlns:p14="http://schemas.microsoft.com/office/powerpoint/2010/main" val="652199829"/>
+                <p14:modId xmlns:p14="http://schemas.microsoft.com/office/powerpoint/2010/main" val="2756997710"/>
               </p:ext>
             </p:extLst>
           </p:nvPr>
@@ -42295,6 +42715,48 @@
           </a:prstGeom>
         </p:spPr>
       </p:pic>
+      <p:sp>
+        <p:nvSpPr>
+          <p:cNvPr id="6" name="TextBox 5">
+            <a:extLst>
+              <a:ext uri="{FF2B5EF4-FFF2-40B4-BE49-F238E27FC236}">
+                <a16:creationId xmlns:a16="http://schemas.microsoft.com/office/drawing/2014/main" id="{9A09300A-2DD5-4889-92E3-3E988BCC2DFA}"/>
+              </a:ext>
+            </a:extLst>
+          </p:cNvPr>
+          <p:cNvSpPr txBox="1"/>
+          <p:nvPr/>
+        </p:nvSpPr>
+        <p:spPr>
+          <a:xfrm>
+            <a:off x="1097280" y="6409081"/>
+            <a:ext cx="6964540" cy="369332"/>
+          </a:xfrm>
+          <a:prstGeom prst="rect">
+            <a:avLst/>
+          </a:prstGeom>
+          <a:noFill/>
+        </p:spPr>
+        <p:txBody>
+          <a:bodyPr wrap="square">
+            <a:spAutoFit/>
+          </a:bodyPr>
+          <a:lstStyle/>
+          <a:p>
+            <a:r>
+              <a:rPr lang="en-GB" dirty="0">
+                <a:solidFill>
+                  <a:schemeClr val="accent1">
+                    <a:lumMod val="50000"/>
+                  </a:schemeClr>
+                </a:solidFill>
+              </a:rPr>
+              <a:t>Code Mentor Mauritius - Dotnet Sessions – Full Stack Web Development</a:t>
+            </a:r>
+            <a:endParaRPr lang="fr-FR" dirty="0"/>
+          </a:p>
+        </p:txBody>
+      </p:sp>
     </p:spTree>
     <p:extLst>
       <p:ext uri="{BB962C8B-B14F-4D97-AF65-F5344CB8AC3E}">
@@ -42430,6 +42892,48 @@
           </a:prstGeom>
         </p:spPr>
       </p:pic>
+      <p:sp>
+        <p:nvSpPr>
+          <p:cNvPr id="6" name="TextBox 5">
+            <a:extLst>
+              <a:ext uri="{FF2B5EF4-FFF2-40B4-BE49-F238E27FC236}">
+                <a16:creationId xmlns:a16="http://schemas.microsoft.com/office/drawing/2014/main" id="{4E194E5F-722A-43B8-8128-866491D562DD}"/>
+              </a:ext>
+            </a:extLst>
+          </p:cNvPr>
+          <p:cNvSpPr txBox="1"/>
+          <p:nvPr/>
+        </p:nvSpPr>
+        <p:spPr>
+          <a:xfrm>
+            <a:off x="1097280" y="6409081"/>
+            <a:ext cx="6964540" cy="369332"/>
+          </a:xfrm>
+          <a:prstGeom prst="rect">
+            <a:avLst/>
+          </a:prstGeom>
+          <a:noFill/>
+        </p:spPr>
+        <p:txBody>
+          <a:bodyPr wrap="square">
+            <a:spAutoFit/>
+          </a:bodyPr>
+          <a:lstStyle/>
+          <a:p>
+            <a:r>
+              <a:rPr lang="en-GB" dirty="0">
+                <a:solidFill>
+                  <a:schemeClr val="accent1">
+                    <a:lumMod val="50000"/>
+                  </a:schemeClr>
+                </a:solidFill>
+              </a:rPr>
+              <a:t>Code Mentor Mauritius - Dotnet Sessions – Full Stack Web Development</a:t>
+            </a:r>
+            <a:endParaRPr lang="fr-FR" dirty="0"/>
+          </a:p>
+        </p:txBody>
+      </p:sp>
     </p:spTree>
     <p:extLst>
       <p:ext uri="{BB962C8B-B14F-4D97-AF65-F5344CB8AC3E}">
@@ -42592,6 +43096,48 @@
           </a:prstGeom>
         </p:spPr>
       </p:pic>
+      <p:sp>
+        <p:nvSpPr>
+          <p:cNvPr id="6" name="TextBox 5">
+            <a:extLst>
+              <a:ext uri="{FF2B5EF4-FFF2-40B4-BE49-F238E27FC236}">
+                <a16:creationId xmlns:a16="http://schemas.microsoft.com/office/drawing/2014/main" id="{9FB076FE-D9F9-43CC-8CE5-3368110D5084}"/>
+              </a:ext>
+            </a:extLst>
+          </p:cNvPr>
+          <p:cNvSpPr txBox="1"/>
+          <p:nvPr/>
+        </p:nvSpPr>
+        <p:spPr>
+          <a:xfrm>
+            <a:off x="1097280" y="6409081"/>
+            <a:ext cx="6964540" cy="369332"/>
+          </a:xfrm>
+          <a:prstGeom prst="rect">
+            <a:avLst/>
+          </a:prstGeom>
+          <a:noFill/>
+        </p:spPr>
+        <p:txBody>
+          <a:bodyPr wrap="square">
+            <a:spAutoFit/>
+          </a:bodyPr>
+          <a:lstStyle/>
+          <a:p>
+            <a:r>
+              <a:rPr lang="en-GB" dirty="0">
+                <a:solidFill>
+                  <a:schemeClr val="accent1">
+                    <a:lumMod val="50000"/>
+                  </a:schemeClr>
+                </a:solidFill>
+              </a:rPr>
+              <a:t>Code Mentor Mauritius - Dotnet Sessions – Full Stack Web Development</a:t>
+            </a:r>
+            <a:endParaRPr lang="fr-FR" dirty="0"/>
+          </a:p>
+        </p:txBody>
+      </p:sp>
     </p:spTree>
     <p:extLst>
       <p:ext uri="{BB962C8B-B14F-4D97-AF65-F5344CB8AC3E}">
@@ -42814,6 +43360,48 @@
           </a:prstGeom>
         </p:spPr>
       </p:pic>
+      <p:sp>
+        <p:nvSpPr>
+          <p:cNvPr id="7" name="TextBox 6">
+            <a:extLst>
+              <a:ext uri="{FF2B5EF4-FFF2-40B4-BE49-F238E27FC236}">
+                <a16:creationId xmlns:a16="http://schemas.microsoft.com/office/drawing/2014/main" id="{FF79AD03-B69B-4F34-A4AA-7FC13734179B}"/>
+              </a:ext>
+            </a:extLst>
+          </p:cNvPr>
+          <p:cNvSpPr txBox="1"/>
+          <p:nvPr/>
+        </p:nvSpPr>
+        <p:spPr>
+          <a:xfrm>
+            <a:off x="1097280" y="6409081"/>
+            <a:ext cx="6964540" cy="369332"/>
+          </a:xfrm>
+          <a:prstGeom prst="rect">
+            <a:avLst/>
+          </a:prstGeom>
+          <a:noFill/>
+        </p:spPr>
+        <p:txBody>
+          <a:bodyPr wrap="square">
+            <a:spAutoFit/>
+          </a:bodyPr>
+          <a:lstStyle/>
+          <a:p>
+            <a:r>
+              <a:rPr lang="en-GB" dirty="0">
+                <a:solidFill>
+                  <a:schemeClr val="accent1">
+                    <a:lumMod val="50000"/>
+                  </a:schemeClr>
+                </a:solidFill>
+              </a:rPr>
+              <a:t>Code Mentor Mauritius - Dotnet Sessions – Full Stack Web Development</a:t>
+            </a:r>
+            <a:endParaRPr lang="fr-FR" dirty="0"/>
+          </a:p>
+        </p:txBody>
+      </p:sp>
     </p:spTree>
     <p:extLst>
       <p:ext uri="{BB962C8B-B14F-4D97-AF65-F5344CB8AC3E}">
@@ -42949,6 +43537,48 @@
           </a:prstGeom>
         </p:spPr>
       </p:pic>
+      <p:sp>
+        <p:nvSpPr>
+          <p:cNvPr id="6" name="TextBox 5">
+            <a:extLst>
+              <a:ext uri="{FF2B5EF4-FFF2-40B4-BE49-F238E27FC236}">
+                <a16:creationId xmlns:a16="http://schemas.microsoft.com/office/drawing/2014/main" id="{B6580A5B-A0E1-45A3-A190-642C961FBA9A}"/>
+              </a:ext>
+            </a:extLst>
+          </p:cNvPr>
+          <p:cNvSpPr txBox="1"/>
+          <p:nvPr/>
+        </p:nvSpPr>
+        <p:spPr>
+          <a:xfrm>
+            <a:off x="1097280" y="6409081"/>
+            <a:ext cx="6964540" cy="369332"/>
+          </a:xfrm>
+          <a:prstGeom prst="rect">
+            <a:avLst/>
+          </a:prstGeom>
+          <a:noFill/>
+        </p:spPr>
+        <p:txBody>
+          <a:bodyPr wrap="square">
+            <a:spAutoFit/>
+          </a:bodyPr>
+          <a:lstStyle/>
+          <a:p>
+            <a:r>
+              <a:rPr lang="en-GB" dirty="0">
+                <a:solidFill>
+                  <a:schemeClr val="accent1">
+                    <a:lumMod val="50000"/>
+                  </a:schemeClr>
+                </a:solidFill>
+              </a:rPr>
+              <a:t>Code Mentor Mauritius - Dotnet Sessions – Full Stack Web Development</a:t>
+            </a:r>
+            <a:endParaRPr lang="fr-FR" dirty="0"/>
+          </a:p>
+        </p:txBody>
+      </p:sp>
     </p:spTree>
     <p:extLst>
       <p:ext uri="{BB962C8B-B14F-4D97-AF65-F5344CB8AC3E}">
@@ -43084,6 +43714,48 @@
           </a:prstGeom>
         </p:spPr>
       </p:pic>
+      <p:sp>
+        <p:nvSpPr>
+          <p:cNvPr id="6" name="TextBox 5">
+            <a:extLst>
+              <a:ext uri="{FF2B5EF4-FFF2-40B4-BE49-F238E27FC236}">
+                <a16:creationId xmlns:a16="http://schemas.microsoft.com/office/drawing/2014/main" id="{C0A174B7-38D7-4925-89F5-3D69FEAF3333}"/>
+              </a:ext>
+            </a:extLst>
+          </p:cNvPr>
+          <p:cNvSpPr txBox="1"/>
+          <p:nvPr/>
+        </p:nvSpPr>
+        <p:spPr>
+          <a:xfrm>
+            <a:off x="1097280" y="6409081"/>
+            <a:ext cx="6964540" cy="369332"/>
+          </a:xfrm>
+          <a:prstGeom prst="rect">
+            <a:avLst/>
+          </a:prstGeom>
+          <a:noFill/>
+        </p:spPr>
+        <p:txBody>
+          <a:bodyPr wrap="square">
+            <a:spAutoFit/>
+          </a:bodyPr>
+          <a:lstStyle/>
+          <a:p>
+            <a:r>
+              <a:rPr lang="en-GB" dirty="0">
+                <a:solidFill>
+                  <a:schemeClr val="accent1">
+                    <a:lumMod val="50000"/>
+                  </a:schemeClr>
+                </a:solidFill>
+              </a:rPr>
+              <a:t>Code Mentor Mauritius - Dotnet Sessions – Full Stack Web Development</a:t>
+            </a:r>
+            <a:endParaRPr lang="fr-FR" dirty="0"/>
+          </a:p>
+        </p:txBody>
+      </p:sp>
     </p:spTree>
     <p:extLst>
       <p:ext uri="{BB962C8B-B14F-4D97-AF65-F5344CB8AC3E}">

--- a/Dotnet/dotnet Session 1.pptx
+++ b/Dotnet/dotnet Session 1.pptx
@@ -21,6 +21,7 @@
     <p:sldId id="271" r:id="rId15"/>
     <p:sldId id="272" r:id="rId16"/>
     <p:sldId id="273" r:id="rId17"/>
+    <p:sldId id="274" r:id="rId18"/>
   </p:sldIdLst>
   <p:sldSz cx="12192000" cy="6858000"/>
   <p:notesSz cx="6858000" cy="9144000"/>
@@ -3116,6 +3117,753 @@
 </file>
 
 <file path=ppt/diagrams/colors13.xml><?xml version="1.0" encoding="utf-8"?>
+<dgm:colorsDef xmlns:dgm="http://schemas.openxmlformats.org/drawingml/2006/diagram" xmlns:a="http://schemas.openxmlformats.org/drawingml/2006/main" uniqueId="urn:microsoft.com/office/officeart/2005/8/colors/accent1_2">
+  <dgm:title val=""/>
+  <dgm:desc val=""/>
+  <dgm:catLst>
+    <dgm:cat type="accent1" pri="11200"/>
+  </dgm:catLst>
+  <dgm:styleLbl name="node0">
+    <dgm:fillClrLst meth="repeat">
+      <a:schemeClr val="accent1"/>
+    </dgm:fillClrLst>
+    <dgm:linClrLst meth="repeat">
+      <a:schemeClr val="lt1"/>
+    </dgm:linClrLst>
+    <dgm:effectClrLst/>
+    <dgm:txLinClrLst/>
+    <dgm:txFillClrLst/>
+    <dgm:txEffectClrLst/>
+  </dgm:styleLbl>
+  <dgm:styleLbl name="alignNode1">
+    <dgm:fillClrLst meth="repeat">
+      <a:schemeClr val="accent1"/>
+    </dgm:fillClrLst>
+    <dgm:linClrLst meth="repeat">
+      <a:schemeClr val="accent1"/>
+    </dgm:linClrLst>
+    <dgm:effectClrLst/>
+    <dgm:txLinClrLst/>
+    <dgm:txFillClrLst/>
+    <dgm:txEffectClrLst/>
+  </dgm:styleLbl>
+  <dgm:styleLbl name="node1">
+    <dgm:fillClrLst meth="repeat">
+      <a:schemeClr val="accent1"/>
+    </dgm:fillClrLst>
+    <dgm:linClrLst meth="repeat">
+      <a:schemeClr val="lt1"/>
+    </dgm:linClrLst>
+    <dgm:effectClrLst/>
+    <dgm:txLinClrLst/>
+    <dgm:txFillClrLst/>
+    <dgm:txEffectClrLst/>
+  </dgm:styleLbl>
+  <dgm:styleLbl name="lnNode1">
+    <dgm:fillClrLst meth="repeat">
+      <a:schemeClr val="accent1"/>
+    </dgm:fillClrLst>
+    <dgm:linClrLst meth="repeat">
+      <a:schemeClr val="lt1"/>
+    </dgm:linClrLst>
+    <dgm:effectClrLst/>
+    <dgm:txLinClrLst/>
+    <dgm:txFillClrLst/>
+    <dgm:txEffectClrLst/>
+  </dgm:styleLbl>
+  <dgm:styleLbl name="vennNode1">
+    <dgm:fillClrLst meth="repeat">
+      <a:schemeClr val="accent1">
+        <a:alpha val="50000"/>
+      </a:schemeClr>
+    </dgm:fillClrLst>
+    <dgm:linClrLst meth="repeat">
+      <a:schemeClr val="lt1"/>
+    </dgm:linClrLst>
+    <dgm:effectClrLst/>
+    <dgm:txLinClrLst/>
+    <dgm:txFillClrLst/>
+    <dgm:txEffectClrLst/>
+  </dgm:styleLbl>
+  <dgm:styleLbl name="node2">
+    <dgm:fillClrLst meth="repeat">
+      <a:schemeClr val="accent1"/>
+    </dgm:fillClrLst>
+    <dgm:linClrLst meth="repeat">
+      <a:schemeClr val="lt1"/>
+    </dgm:linClrLst>
+    <dgm:effectClrLst/>
+    <dgm:txLinClrLst/>
+    <dgm:txFillClrLst/>
+    <dgm:txEffectClrLst/>
+  </dgm:styleLbl>
+  <dgm:styleLbl name="node3">
+    <dgm:fillClrLst meth="repeat">
+      <a:schemeClr val="accent1"/>
+    </dgm:fillClrLst>
+    <dgm:linClrLst meth="repeat">
+      <a:schemeClr val="lt1"/>
+    </dgm:linClrLst>
+    <dgm:effectClrLst/>
+    <dgm:txLinClrLst/>
+    <dgm:txFillClrLst/>
+    <dgm:txEffectClrLst/>
+  </dgm:styleLbl>
+  <dgm:styleLbl name="node4">
+    <dgm:fillClrLst meth="repeat">
+      <a:schemeClr val="accent1"/>
+    </dgm:fillClrLst>
+    <dgm:linClrLst meth="repeat">
+      <a:schemeClr val="lt1"/>
+    </dgm:linClrLst>
+    <dgm:effectClrLst/>
+    <dgm:txLinClrLst/>
+    <dgm:txFillClrLst/>
+    <dgm:txEffectClrLst/>
+  </dgm:styleLbl>
+  <dgm:styleLbl name="fgImgPlace1">
+    <dgm:fillClrLst meth="repeat">
+      <a:schemeClr val="accent1">
+        <a:tint val="50000"/>
+      </a:schemeClr>
+    </dgm:fillClrLst>
+    <dgm:linClrLst meth="repeat">
+      <a:schemeClr val="lt1"/>
+    </dgm:linClrLst>
+    <dgm:effectClrLst/>
+    <dgm:txLinClrLst/>
+    <dgm:txFillClrLst meth="repeat">
+      <a:schemeClr val="lt1"/>
+    </dgm:txFillClrLst>
+    <dgm:txEffectClrLst/>
+  </dgm:styleLbl>
+  <dgm:styleLbl name="alignImgPlace1">
+    <dgm:fillClrLst meth="repeat">
+      <a:schemeClr val="accent1">
+        <a:tint val="50000"/>
+      </a:schemeClr>
+    </dgm:fillClrLst>
+    <dgm:linClrLst meth="repeat">
+      <a:schemeClr val="lt1"/>
+    </dgm:linClrLst>
+    <dgm:effectClrLst/>
+    <dgm:txLinClrLst/>
+    <dgm:txFillClrLst meth="repeat">
+      <a:schemeClr val="lt1"/>
+    </dgm:txFillClrLst>
+    <dgm:txEffectClrLst/>
+  </dgm:styleLbl>
+  <dgm:styleLbl name="bgImgPlace1">
+    <dgm:fillClrLst meth="repeat">
+      <a:schemeClr val="accent1">
+        <a:tint val="50000"/>
+      </a:schemeClr>
+    </dgm:fillClrLst>
+    <dgm:linClrLst meth="repeat">
+      <a:schemeClr val="lt1"/>
+    </dgm:linClrLst>
+    <dgm:effectClrLst/>
+    <dgm:txLinClrLst/>
+    <dgm:txFillClrLst meth="repeat">
+      <a:schemeClr val="lt1"/>
+    </dgm:txFillClrLst>
+    <dgm:txEffectClrLst/>
+  </dgm:styleLbl>
+  <dgm:styleLbl name="sibTrans2D1">
+    <dgm:fillClrLst meth="repeat">
+      <a:schemeClr val="accent1">
+        <a:tint val="60000"/>
+      </a:schemeClr>
+    </dgm:fillClrLst>
+    <dgm:linClrLst meth="repeat">
+      <a:schemeClr val="accent1">
+        <a:tint val="60000"/>
+      </a:schemeClr>
+    </dgm:linClrLst>
+    <dgm:effectClrLst/>
+    <dgm:txLinClrLst/>
+    <dgm:txFillClrLst/>
+    <dgm:txEffectClrLst/>
+  </dgm:styleLbl>
+  <dgm:styleLbl name="fgSibTrans2D1">
+    <dgm:fillClrLst meth="repeat">
+      <a:schemeClr val="accent1">
+        <a:tint val="60000"/>
+      </a:schemeClr>
+    </dgm:fillClrLst>
+    <dgm:linClrLst meth="repeat">
+      <a:schemeClr val="accent1">
+        <a:tint val="60000"/>
+      </a:schemeClr>
+    </dgm:linClrLst>
+    <dgm:effectClrLst/>
+    <dgm:txLinClrLst/>
+    <dgm:txFillClrLst/>
+    <dgm:txEffectClrLst/>
+  </dgm:styleLbl>
+  <dgm:styleLbl name="bgSibTrans2D1">
+    <dgm:fillClrLst meth="repeat">
+      <a:schemeClr val="accent1">
+        <a:tint val="60000"/>
+      </a:schemeClr>
+    </dgm:fillClrLst>
+    <dgm:linClrLst meth="repeat">
+      <a:schemeClr val="accent1">
+        <a:tint val="60000"/>
+      </a:schemeClr>
+    </dgm:linClrLst>
+    <dgm:effectClrLst/>
+    <dgm:txLinClrLst/>
+    <dgm:txFillClrLst/>
+    <dgm:txEffectClrLst/>
+  </dgm:styleLbl>
+  <dgm:styleLbl name="sibTrans1D1">
+    <dgm:fillClrLst meth="repeat">
+      <a:schemeClr val="accent1"/>
+    </dgm:fillClrLst>
+    <dgm:linClrLst meth="repeat">
+      <a:schemeClr val="accent1"/>
+    </dgm:linClrLst>
+    <dgm:effectClrLst/>
+    <dgm:txLinClrLst/>
+    <dgm:txFillClrLst meth="repeat">
+      <a:schemeClr val="tx1"/>
+    </dgm:txFillClrLst>
+    <dgm:txEffectClrLst/>
+  </dgm:styleLbl>
+  <dgm:styleLbl name="callout">
+    <dgm:fillClrLst meth="repeat">
+      <a:schemeClr val="accent1"/>
+    </dgm:fillClrLst>
+    <dgm:linClrLst meth="repeat">
+      <a:schemeClr val="accent1">
+        <a:tint val="50000"/>
+      </a:schemeClr>
+    </dgm:linClrLst>
+    <dgm:effectClrLst/>
+    <dgm:txLinClrLst/>
+    <dgm:txFillClrLst meth="repeat">
+      <a:schemeClr val="tx1"/>
+    </dgm:txFillClrLst>
+    <dgm:txEffectClrLst/>
+  </dgm:styleLbl>
+  <dgm:styleLbl name="asst0">
+    <dgm:fillClrLst meth="repeat">
+      <a:schemeClr val="accent1"/>
+    </dgm:fillClrLst>
+    <dgm:linClrLst meth="repeat">
+      <a:schemeClr val="lt1"/>
+    </dgm:linClrLst>
+    <dgm:effectClrLst/>
+    <dgm:txLinClrLst/>
+    <dgm:txFillClrLst/>
+    <dgm:txEffectClrLst/>
+  </dgm:styleLbl>
+  <dgm:styleLbl name="asst1">
+    <dgm:fillClrLst meth="repeat">
+      <a:schemeClr val="accent1"/>
+    </dgm:fillClrLst>
+    <dgm:linClrLst meth="repeat">
+      <a:schemeClr val="lt1"/>
+    </dgm:linClrLst>
+    <dgm:effectClrLst/>
+    <dgm:txLinClrLst/>
+    <dgm:txFillClrLst/>
+    <dgm:txEffectClrLst/>
+  </dgm:styleLbl>
+  <dgm:styleLbl name="asst2">
+    <dgm:fillClrLst meth="repeat">
+      <a:schemeClr val="accent1"/>
+    </dgm:fillClrLst>
+    <dgm:linClrLst meth="repeat">
+      <a:schemeClr val="lt1"/>
+    </dgm:linClrLst>
+    <dgm:effectClrLst/>
+    <dgm:txLinClrLst/>
+    <dgm:txFillClrLst/>
+    <dgm:txEffectClrLst/>
+  </dgm:styleLbl>
+  <dgm:styleLbl name="asst3">
+    <dgm:fillClrLst meth="repeat">
+      <a:schemeClr val="accent1"/>
+    </dgm:fillClrLst>
+    <dgm:linClrLst meth="repeat">
+      <a:schemeClr val="lt1"/>
+    </dgm:linClrLst>
+    <dgm:effectClrLst/>
+    <dgm:txLinClrLst/>
+    <dgm:txFillClrLst/>
+    <dgm:txEffectClrLst/>
+  </dgm:styleLbl>
+  <dgm:styleLbl name="asst4">
+    <dgm:fillClrLst meth="repeat">
+      <a:schemeClr val="accent1"/>
+    </dgm:fillClrLst>
+    <dgm:linClrLst meth="repeat">
+      <a:schemeClr val="lt1"/>
+    </dgm:linClrLst>
+    <dgm:effectClrLst/>
+    <dgm:txLinClrLst/>
+    <dgm:txFillClrLst/>
+    <dgm:txEffectClrLst/>
+  </dgm:styleLbl>
+  <dgm:styleLbl name="parChTrans2D1">
+    <dgm:fillClrLst meth="repeat">
+      <a:schemeClr val="accent1">
+        <a:tint val="60000"/>
+      </a:schemeClr>
+    </dgm:fillClrLst>
+    <dgm:linClrLst meth="repeat">
+      <a:schemeClr val="accent1">
+        <a:tint val="60000"/>
+      </a:schemeClr>
+    </dgm:linClrLst>
+    <dgm:effectClrLst/>
+    <dgm:txLinClrLst/>
+    <dgm:txFillClrLst meth="repeat">
+      <a:schemeClr val="lt1"/>
+    </dgm:txFillClrLst>
+    <dgm:txEffectClrLst/>
+  </dgm:styleLbl>
+  <dgm:styleLbl name="parChTrans2D2">
+    <dgm:fillClrLst meth="repeat">
+      <a:schemeClr val="accent1"/>
+    </dgm:fillClrLst>
+    <dgm:linClrLst meth="repeat">
+      <a:schemeClr val="accent1"/>
+    </dgm:linClrLst>
+    <dgm:effectClrLst/>
+    <dgm:txLinClrLst/>
+    <dgm:txFillClrLst meth="repeat">
+      <a:schemeClr val="lt1"/>
+    </dgm:txFillClrLst>
+    <dgm:txEffectClrLst/>
+  </dgm:styleLbl>
+  <dgm:styleLbl name="parChTrans2D3">
+    <dgm:fillClrLst meth="repeat">
+      <a:schemeClr val="accent1"/>
+    </dgm:fillClrLst>
+    <dgm:linClrLst meth="repeat">
+      <a:schemeClr val="accent1"/>
+    </dgm:linClrLst>
+    <dgm:effectClrLst/>
+    <dgm:txLinClrLst/>
+    <dgm:txFillClrLst meth="repeat">
+      <a:schemeClr val="lt1"/>
+    </dgm:txFillClrLst>
+    <dgm:txEffectClrLst/>
+  </dgm:styleLbl>
+  <dgm:styleLbl name="parChTrans2D4">
+    <dgm:fillClrLst meth="repeat">
+      <a:schemeClr val="accent1"/>
+    </dgm:fillClrLst>
+    <dgm:linClrLst meth="repeat">
+      <a:schemeClr val="accent1"/>
+    </dgm:linClrLst>
+    <dgm:effectClrLst/>
+    <dgm:txLinClrLst/>
+    <dgm:txFillClrLst meth="repeat">
+      <a:schemeClr val="lt1"/>
+    </dgm:txFillClrLst>
+    <dgm:txEffectClrLst/>
+  </dgm:styleLbl>
+  <dgm:styleLbl name="parChTrans1D1">
+    <dgm:fillClrLst meth="repeat">
+      <a:schemeClr val="accent1"/>
+    </dgm:fillClrLst>
+    <dgm:linClrLst meth="repeat">
+      <a:schemeClr val="accent1">
+        <a:shade val="60000"/>
+      </a:schemeClr>
+    </dgm:linClrLst>
+    <dgm:effectClrLst/>
+    <dgm:txLinClrLst/>
+    <dgm:txFillClrLst meth="repeat">
+      <a:schemeClr val="tx1"/>
+    </dgm:txFillClrLst>
+    <dgm:txEffectClrLst/>
+  </dgm:styleLbl>
+  <dgm:styleLbl name="parChTrans1D2">
+    <dgm:fillClrLst meth="repeat">
+      <a:schemeClr val="accent1"/>
+    </dgm:fillClrLst>
+    <dgm:linClrLst meth="repeat">
+      <a:schemeClr val="accent1">
+        <a:shade val="60000"/>
+      </a:schemeClr>
+    </dgm:linClrLst>
+    <dgm:effectClrLst/>
+    <dgm:txLinClrLst/>
+    <dgm:txFillClrLst meth="repeat">
+      <a:schemeClr val="tx1"/>
+    </dgm:txFillClrLst>
+    <dgm:txEffectClrLst/>
+  </dgm:styleLbl>
+  <dgm:styleLbl name="parChTrans1D3">
+    <dgm:fillClrLst meth="repeat">
+      <a:schemeClr val="accent1"/>
+    </dgm:fillClrLst>
+    <dgm:linClrLst meth="repeat">
+      <a:schemeClr val="accent1">
+        <a:shade val="80000"/>
+      </a:schemeClr>
+    </dgm:linClrLst>
+    <dgm:effectClrLst/>
+    <dgm:txLinClrLst/>
+    <dgm:txFillClrLst meth="repeat">
+      <a:schemeClr val="tx1"/>
+    </dgm:txFillClrLst>
+    <dgm:txEffectClrLst/>
+  </dgm:styleLbl>
+  <dgm:styleLbl name="parChTrans1D4">
+    <dgm:fillClrLst meth="repeat">
+      <a:schemeClr val="accent1"/>
+    </dgm:fillClrLst>
+    <dgm:linClrLst meth="repeat">
+      <a:schemeClr val="accent1">
+        <a:shade val="80000"/>
+      </a:schemeClr>
+    </dgm:linClrLst>
+    <dgm:effectClrLst/>
+    <dgm:txLinClrLst/>
+    <dgm:txFillClrLst meth="repeat">
+      <a:schemeClr val="tx1"/>
+    </dgm:txFillClrLst>
+    <dgm:txEffectClrLst/>
+  </dgm:styleLbl>
+  <dgm:styleLbl name="fgAcc1">
+    <dgm:fillClrLst meth="repeat">
+      <a:schemeClr val="lt1">
+        <a:alpha val="90000"/>
+      </a:schemeClr>
+    </dgm:fillClrLst>
+    <dgm:linClrLst meth="repeat">
+      <a:schemeClr val="accent1"/>
+    </dgm:linClrLst>
+    <dgm:effectClrLst/>
+    <dgm:txLinClrLst/>
+    <dgm:txFillClrLst meth="repeat">
+      <a:schemeClr val="dk1"/>
+    </dgm:txFillClrLst>
+    <dgm:txEffectClrLst/>
+  </dgm:styleLbl>
+  <dgm:styleLbl name="conFgAcc1">
+    <dgm:fillClrLst meth="repeat">
+      <a:schemeClr val="lt1">
+        <a:alpha val="90000"/>
+      </a:schemeClr>
+    </dgm:fillClrLst>
+    <dgm:linClrLst meth="repeat">
+      <a:schemeClr val="accent1"/>
+    </dgm:linClrLst>
+    <dgm:effectClrLst/>
+    <dgm:txLinClrLst/>
+    <dgm:txFillClrLst meth="repeat">
+      <a:schemeClr val="dk1"/>
+    </dgm:txFillClrLst>
+    <dgm:txEffectClrLst/>
+  </dgm:styleLbl>
+  <dgm:styleLbl name="alignAcc1">
+    <dgm:fillClrLst meth="repeat">
+      <a:schemeClr val="lt1">
+        <a:alpha val="90000"/>
+      </a:schemeClr>
+    </dgm:fillClrLst>
+    <dgm:linClrLst meth="repeat">
+      <a:schemeClr val="accent1"/>
+    </dgm:linClrLst>
+    <dgm:effectClrLst/>
+    <dgm:txLinClrLst/>
+    <dgm:txFillClrLst meth="repeat">
+      <a:schemeClr val="dk1"/>
+    </dgm:txFillClrLst>
+    <dgm:txEffectClrLst/>
+  </dgm:styleLbl>
+  <dgm:styleLbl name="trAlignAcc1">
+    <dgm:fillClrLst meth="repeat">
+      <a:schemeClr val="lt1">
+        <a:alpha val="40000"/>
+      </a:schemeClr>
+    </dgm:fillClrLst>
+    <dgm:linClrLst meth="repeat">
+      <a:schemeClr val="accent1"/>
+    </dgm:linClrLst>
+    <dgm:effectClrLst/>
+    <dgm:txLinClrLst/>
+    <dgm:txFillClrLst meth="repeat">
+      <a:schemeClr val="dk1"/>
+    </dgm:txFillClrLst>
+    <dgm:txEffectClrLst/>
+  </dgm:styleLbl>
+  <dgm:styleLbl name="bgAcc1">
+    <dgm:fillClrLst meth="repeat">
+      <a:schemeClr val="lt1">
+        <a:alpha val="90000"/>
+      </a:schemeClr>
+    </dgm:fillClrLst>
+    <dgm:linClrLst meth="repeat">
+      <a:schemeClr val="accent1"/>
+    </dgm:linClrLst>
+    <dgm:effectClrLst/>
+    <dgm:txLinClrLst/>
+    <dgm:txFillClrLst meth="repeat">
+      <a:schemeClr val="dk1"/>
+    </dgm:txFillClrLst>
+    <dgm:txEffectClrLst/>
+  </dgm:styleLbl>
+  <dgm:styleLbl name="solidFgAcc1">
+    <dgm:fillClrLst meth="repeat">
+      <a:schemeClr val="lt1"/>
+    </dgm:fillClrLst>
+    <dgm:linClrLst meth="repeat">
+      <a:schemeClr val="accent1"/>
+    </dgm:linClrLst>
+    <dgm:effectClrLst/>
+    <dgm:txLinClrLst/>
+    <dgm:txFillClrLst meth="repeat">
+      <a:schemeClr val="dk1"/>
+    </dgm:txFillClrLst>
+    <dgm:txEffectClrLst/>
+  </dgm:styleLbl>
+  <dgm:styleLbl name="solidAlignAcc1">
+    <dgm:fillClrLst meth="repeat">
+      <a:schemeClr val="lt1"/>
+    </dgm:fillClrLst>
+    <dgm:linClrLst meth="repeat">
+      <a:schemeClr val="accent1"/>
+    </dgm:linClrLst>
+    <dgm:effectClrLst/>
+    <dgm:txLinClrLst/>
+    <dgm:txFillClrLst meth="repeat">
+      <a:schemeClr val="dk1"/>
+    </dgm:txFillClrLst>
+    <dgm:txEffectClrLst/>
+  </dgm:styleLbl>
+  <dgm:styleLbl name="solidBgAcc1">
+    <dgm:fillClrLst meth="repeat">
+      <a:schemeClr val="lt1"/>
+    </dgm:fillClrLst>
+    <dgm:linClrLst meth="repeat">
+      <a:schemeClr val="accent1"/>
+    </dgm:linClrLst>
+    <dgm:effectClrLst/>
+    <dgm:txLinClrLst/>
+    <dgm:txFillClrLst meth="repeat">
+      <a:schemeClr val="dk1"/>
+    </dgm:txFillClrLst>
+    <dgm:txEffectClrLst/>
+  </dgm:styleLbl>
+  <dgm:styleLbl name="fgAccFollowNode1">
+    <dgm:fillClrLst meth="repeat">
+      <a:schemeClr val="accent1">
+        <a:alpha val="90000"/>
+        <a:tint val="40000"/>
+      </a:schemeClr>
+    </dgm:fillClrLst>
+    <dgm:linClrLst meth="repeat">
+      <a:schemeClr val="accent1">
+        <a:alpha val="90000"/>
+        <a:tint val="40000"/>
+      </a:schemeClr>
+    </dgm:linClrLst>
+    <dgm:effectClrLst/>
+    <dgm:txLinClrLst/>
+    <dgm:txFillClrLst meth="repeat">
+      <a:schemeClr val="dk1"/>
+    </dgm:txFillClrLst>
+    <dgm:txEffectClrLst/>
+  </dgm:styleLbl>
+  <dgm:styleLbl name="alignAccFollowNode1">
+    <dgm:fillClrLst meth="repeat">
+      <a:schemeClr val="accent1">
+        <a:alpha val="90000"/>
+        <a:tint val="40000"/>
+      </a:schemeClr>
+    </dgm:fillClrLst>
+    <dgm:linClrLst meth="repeat">
+      <a:schemeClr val="accent1">
+        <a:alpha val="90000"/>
+        <a:tint val="40000"/>
+      </a:schemeClr>
+    </dgm:linClrLst>
+    <dgm:effectClrLst/>
+    <dgm:txLinClrLst/>
+    <dgm:txFillClrLst meth="repeat">
+      <a:schemeClr val="dk1"/>
+    </dgm:txFillClrLst>
+    <dgm:txEffectClrLst/>
+  </dgm:styleLbl>
+  <dgm:styleLbl name="bgAccFollowNode1">
+    <dgm:fillClrLst meth="repeat">
+      <a:schemeClr val="accent1">
+        <a:alpha val="90000"/>
+        <a:tint val="40000"/>
+      </a:schemeClr>
+    </dgm:fillClrLst>
+    <dgm:linClrLst meth="repeat">
+      <a:schemeClr val="accent1">
+        <a:alpha val="90000"/>
+        <a:tint val="40000"/>
+      </a:schemeClr>
+    </dgm:linClrLst>
+    <dgm:effectClrLst/>
+    <dgm:txLinClrLst/>
+    <dgm:txFillClrLst meth="repeat">
+      <a:schemeClr val="dk1"/>
+    </dgm:txFillClrLst>
+    <dgm:txEffectClrLst/>
+  </dgm:styleLbl>
+  <dgm:styleLbl name="fgAcc0">
+    <dgm:fillClrLst meth="repeat">
+      <a:schemeClr val="lt1">
+        <a:alpha val="90000"/>
+      </a:schemeClr>
+    </dgm:fillClrLst>
+    <dgm:linClrLst meth="repeat">
+      <a:schemeClr val="accent1"/>
+    </dgm:linClrLst>
+    <dgm:effectClrLst/>
+    <dgm:txLinClrLst/>
+    <dgm:txFillClrLst meth="repeat">
+      <a:schemeClr val="dk1"/>
+    </dgm:txFillClrLst>
+    <dgm:txEffectClrLst/>
+  </dgm:styleLbl>
+  <dgm:styleLbl name="fgAcc2">
+    <dgm:fillClrLst meth="repeat">
+      <a:schemeClr val="lt1">
+        <a:alpha val="90000"/>
+      </a:schemeClr>
+    </dgm:fillClrLst>
+    <dgm:linClrLst meth="repeat">
+      <a:schemeClr val="accent1"/>
+    </dgm:linClrLst>
+    <dgm:effectClrLst/>
+    <dgm:txLinClrLst/>
+    <dgm:txFillClrLst meth="repeat">
+      <a:schemeClr val="dk1"/>
+    </dgm:txFillClrLst>
+    <dgm:txEffectClrLst/>
+  </dgm:styleLbl>
+  <dgm:styleLbl name="fgAcc3">
+    <dgm:fillClrLst meth="repeat">
+      <a:schemeClr val="lt1">
+        <a:alpha val="90000"/>
+      </a:schemeClr>
+    </dgm:fillClrLst>
+    <dgm:linClrLst meth="repeat">
+      <a:schemeClr val="accent1"/>
+    </dgm:linClrLst>
+    <dgm:effectClrLst/>
+    <dgm:txLinClrLst/>
+    <dgm:txFillClrLst meth="repeat">
+      <a:schemeClr val="dk1"/>
+    </dgm:txFillClrLst>
+    <dgm:txEffectClrLst/>
+  </dgm:styleLbl>
+  <dgm:styleLbl name="fgAcc4">
+    <dgm:fillClrLst meth="repeat">
+      <a:schemeClr val="lt1">
+        <a:alpha val="90000"/>
+      </a:schemeClr>
+    </dgm:fillClrLst>
+    <dgm:linClrLst meth="repeat">
+      <a:schemeClr val="accent1"/>
+    </dgm:linClrLst>
+    <dgm:effectClrLst/>
+    <dgm:txLinClrLst/>
+    <dgm:txFillClrLst meth="repeat">
+      <a:schemeClr val="dk1"/>
+    </dgm:txFillClrLst>
+    <dgm:txEffectClrLst/>
+  </dgm:styleLbl>
+  <dgm:styleLbl name="bgShp">
+    <dgm:fillClrLst meth="repeat">
+      <a:schemeClr val="accent1">
+        <a:tint val="40000"/>
+      </a:schemeClr>
+    </dgm:fillClrLst>
+    <dgm:linClrLst meth="repeat">
+      <a:schemeClr val="accent1"/>
+    </dgm:linClrLst>
+    <dgm:effectClrLst/>
+    <dgm:txLinClrLst/>
+    <dgm:txFillClrLst meth="repeat">
+      <a:schemeClr val="dk1"/>
+    </dgm:txFillClrLst>
+    <dgm:txEffectClrLst/>
+  </dgm:styleLbl>
+  <dgm:styleLbl name="dkBgShp">
+    <dgm:fillClrLst meth="repeat">
+      <a:schemeClr val="accent1">
+        <a:shade val="80000"/>
+      </a:schemeClr>
+    </dgm:fillClrLst>
+    <dgm:linClrLst meth="repeat">
+      <a:schemeClr val="accent1"/>
+    </dgm:linClrLst>
+    <dgm:effectClrLst/>
+    <dgm:txLinClrLst/>
+    <dgm:txFillClrLst meth="repeat">
+      <a:schemeClr val="lt1"/>
+    </dgm:txFillClrLst>
+    <dgm:txEffectClrLst/>
+  </dgm:styleLbl>
+  <dgm:styleLbl name="trBgShp">
+    <dgm:fillClrLst meth="repeat">
+      <a:schemeClr val="accent1">
+        <a:tint val="50000"/>
+        <a:alpha val="40000"/>
+      </a:schemeClr>
+    </dgm:fillClrLst>
+    <dgm:linClrLst meth="repeat">
+      <a:schemeClr val="accent1"/>
+    </dgm:linClrLst>
+    <dgm:effectClrLst/>
+    <dgm:txLinClrLst/>
+    <dgm:txFillClrLst meth="repeat">
+      <a:schemeClr val="lt1"/>
+    </dgm:txFillClrLst>
+    <dgm:txEffectClrLst/>
+  </dgm:styleLbl>
+  <dgm:styleLbl name="fgShp">
+    <dgm:fillClrLst meth="repeat">
+      <a:schemeClr val="accent1">
+        <a:tint val="60000"/>
+      </a:schemeClr>
+    </dgm:fillClrLst>
+    <dgm:linClrLst meth="repeat">
+      <a:schemeClr val="lt1"/>
+    </dgm:linClrLst>
+    <dgm:effectClrLst/>
+    <dgm:txLinClrLst/>
+    <dgm:txFillClrLst meth="repeat">
+      <a:schemeClr val="dk1"/>
+    </dgm:txFillClrLst>
+    <dgm:txEffectClrLst/>
+  </dgm:styleLbl>
+  <dgm:styleLbl name="revTx">
+    <dgm:fillClrLst meth="repeat">
+      <a:schemeClr val="lt1">
+        <a:alpha val="0"/>
+      </a:schemeClr>
+    </dgm:fillClrLst>
+    <dgm:linClrLst meth="repeat">
+      <a:schemeClr val="dk1">
+        <a:alpha val="0"/>
+      </a:schemeClr>
+    </dgm:linClrLst>
+    <dgm:effectClrLst/>
+    <dgm:txLinClrLst/>
+    <dgm:txFillClrLst meth="repeat">
+      <a:schemeClr val="tx1"/>
+    </dgm:txFillClrLst>
+    <dgm:txEffectClrLst/>
+  </dgm:styleLbl>
+</dgm:colorsDef>
+</file>
+
+<file path=ppt/diagrams/colors14.xml><?xml version="1.0" encoding="utf-8"?>
 <dgm:colorsDef xmlns:dgm="http://schemas.openxmlformats.org/drawingml/2006/diagram" xmlns:a="http://schemas.openxmlformats.org/drawingml/2006/main" uniqueId="urn:microsoft.com/office/officeart/2005/8/colors/accent1_2">
   <dgm:title val=""/>
   <dgm:desc val=""/>
@@ -11569,6 +12317,585 @@
     <dgm:cxn modelId="{9CE00A91-B0ED-43F1-8D58-F9AEFBBE68C0}" type="presParOf" srcId="{A2881BBB-A3F6-4248-9A7E-9903C0C96DE2}" destId="{C1BE7C12-32B3-4D85-ADA5-6F23531FF2FA}" srcOrd="1" destOrd="0" presId="urn:microsoft.com/office/officeart/2005/8/layout/vList2"/>
     <dgm:cxn modelId="{13284021-87F9-410F-A429-8B60A73D9604}" type="presParOf" srcId="{A2881BBB-A3F6-4248-9A7E-9903C0C96DE2}" destId="{B906D895-5341-45E3-8691-E2223E7BB37B}" srcOrd="2" destOrd="0" presId="urn:microsoft.com/office/officeart/2005/8/layout/vList2"/>
     <dgm:cxn modelId="{3E012826-12E8-4775-9496-353A4CBCAC01}" type="presParOf" srcId="{A2881BBB-A3F6-4248-9A7E-9903C0C96DE2}" destId="{7F3F1D40-5452-4F03-B004-A7EB689A9352}" srcOrd="3" destOrd="0" presId="urn:microsoft.com/office/officeart/2005/8/layout/vList2"/>
+  </dgm:cxnLst>
+  <dgm:bg/>
+  <dgm:whole/>
+  <dgm:extLst>
+    <a:ext uri="http://schemas.microsoft.com/office/drawing/2008/diagram">
+      <dsp:dataModelExt xmlns:dsp="http://schemas.microsoft.com/office/drawing/2008/diagram" relId="rId6" minVer="http://schemas.openxmlformats.org/drawingml/2006/diagram"/>
+    </a:ext>
+  </dgm:extLst>
+</dgm:dataModel>
+</file>
+
+<file path=ppt/diagrams/data14.xml><?xml version="1.0" encoding="utf-8"?>
+<dgm:dataModel xmlns:dgm="http://schemas.openxmlformats.org/drawingml/2006/diagram" xmlns:a="http://schemas.openxmlformats.org/drawingml/2006/main">
+  <dgm:ptLst>
+    <dgm:pt modelId="{132D40D9-B523-4190-84AA-BB7B5BC113B9}" type="doc">
+      <dgm:prSet loTypeId="urn:microsoft.com/office/officeart/2005/8/layout/vList2" loCatId="list" qsTypeId="urn:microsoft.com/office/officeart/2005/8/quickstyle/simple1" qsCatId="simple" csTypeId="urn:microsoft.com/office/officeart/2005/8/colors/accent1_2" csCatId="accent1" phldr="1"/>
+      <dgm:spPr/>
+      <dgm:t>
+        <a:bodyPr/>
+        <a:lstStyle/>
+        <a:p>
+          <a:endParaRPr lang="fr-FR"/>
+        </a:p>
+      </dgm:t>
+    </dgm:pt>
+    <dgm:pt modelId="{78E3A9A9-F3D2-408E-B585-7C90B49F6AC4}">
+      <dgm:prSet/>
+      <dgm:spPr/>
+      <dgm:t>
+        <a:bodyPr/>
+        <a:lstStyle/>
+        <a:p>
+          <a:r>
+            <a:rPr lang="en-GB" dirty="0"/>
+            <a:t>In </a:t>
+          </a:r>
+          <a:r>
+            <a:rPr lang="en-GB" dirty="0" err="1"/>
+            <a:t>Program.cs</a:t>
+          </a:r>
+          <a:r>
+            <a:rPr lang="en-GB" dirty="0"/>
+            <a:t> add:</a:t>
+          </a:r>
+        </a:p>
+      </dgm:t>
+    </dgm:pt>
+    <dgm:pt modelId="{FBEAA3BD-F8D5-48A8-9400-D8EFCC966404}" type="parTrans" cxnId="{56F9D428-F681-447D-99D1-D41792A3EDCD}">
+      <dgm:prSet/>
+      <dgm:spPr/>
+      <dgm:t>
+        <a:bodyPr/>
+        <a:lstStyle/>
+        <a:p>
+          <a:endParaRPr lang="fr-FR"/>
+        </a:p>
+      </dgm:t>
+    </dgm:pt>
+    <dgm:pt modelId="{F79E3C75-47C3-474C-9DB8-12CAA3B81BDD}" type="sibTrans" cxnId="{56F9D428-F681-447D-99D1-D41792A3EDCD}">
+      <dgm:prSet/>
+      <dgm:spPr/>
+      <dgm:t>
+        <a:bodyPr/>
+        <a:lstStyle/>
+        <a:p>
+          <a:endParaRPr lang="fr-FR"/>
+        </a:p>
+      </dgm:t>
+    </dgm:pt>
+    <dgm:pt modelId="{5595F85E-D1A1-48AB-95C0-BC355667990D}">
+      <dgm:prSet/>
+      <dgm:spPr/>
+      <dgm:t>
+        <a:bodyPr/>
+        <a:lstStyle/>
+        <a:p>
+          <a:r>
+            <a:rPr lang="fr-FR" b="0" i="1" dirty="0"/>
+            <a:t>// enable cors</a:t>
+          </a:r>
+          <a:endParaRPr lang="en-GB" dirty="0"/>
+        </a:p>
+      </dgm:t>
+    </dgm:pt>
+    <dgm:pt modelId="{30B21990-024E-43BD-80B5-71DE7A34832E}" type="parTrans" cxnId="{794741AB-8B90-41B5-B646-DD2CAAC1169C}">
+      <dgm:prSet/>
+      <dgm:spPr/>
+      <dgm:t>
+        <a:bodyPr/>
+        <a:lstStyle/>
+        <a:p>
+          <a:endParaRPr lang="fr-FR"/>
+        </a:p>
+      </dgm:t>
+    </dgm:pt>
+    <dgm:pt modelId="{1459558E-309A-41F5-A827-27DBE6A89B2F}" type="sibTrans" cxnId="{794741AB-8B90-41B5-B646-DD2CAAC1169C}">
+      <dgm:prSet/>
+      <dgm:spPr/>
+      <dgm:t>
+        <a:bodyPr/>
+        <a:lstStyle/>
+        <a:p>
+          <a:endParaRPr lang="fr-FR"/>
+        </a:p>
+      </dgm:t>
+    </dgm:pt>
+    <dgm:pt modelId="{E0FADA08-5868-4760-87BE-20CCE2224EC9}">
+      <dgm:prSet/>
+      <dgm:spPr/>
+      <dgm:t>
+        <a:bodyPr/>
+        <a:lstStyle/>
+        <a:p>
+          <a:r>
+            <a:rPr lang="en-US" b="0" i="1" dirty="0" err="1"/>
+            <a:t>builder</a:t>
+          </a:r>
+          <a:r>
+            <a:rPr lang="en-US" b="0" dirty="0" err="1"/>
+            <a:t>.</a:t>
+          </a:r>
+          <a:r>
+            <a:rPr lang="en-US" b="0" i="1" dirty="0" err="1"/>
+            <a:t>Services</a:t>
+          </a:r>
+          <a:r>
+            <a:rPr lang="en-US" b="0" dirty="0" err="1"/>
+            <a:t>.</a:t>
+          </a:r>
+          <a:r>
+            <a:rPr lang="en-US" b="0" i="1" dirty="0" err="1"/>
+            <a:t>AddCors</a:t>
+          </a:r>
+          <a:r>
+            <a:rPr lang="en-US" b="0" dirty="0"/>
+            <a:t>(</a:t>
+          </a:r>
+          <a:r>
+            <a:rPr lang="en-US" b="0" dirty="0" err="1"/>
+            <a:t>cors</a:t>
+          </a:r>
+          <a:r>
+            <a:rPr lang="en-US" b="0" dirty="0"/>
+            <a:t> </a:t>
+          </a:r>
+          <a:r>
+            <a:rPr lang="en-US" b="0" i="1" dirty="0"/>
+            <a:t>=&gt;</a:t>
+          </a:r>
+          <a:r>
+            <a:rPr lang="en-US" b="0" dirty="0"/>
+            <a:t> </a:t>
+          </a:r>
+          <a:r>
+            <a:rPr lang="en-US" b="0" i="1" dirty="0" err="1"/>
+            <a:t>cors</a:t>
+          </a:r>
+          <a:r>
+            <a:rPr lang="en-US" b="0" dirty="0" err="1"/>
+            <a:t>.</a:t>
+          </a:r>
+          <a:r>
+            <a:rPr lang="en-US" b="0" i="1" dirty="0" err="1"/>
+            <a:t>AddPolicy</a:t>
+          </a:r>
+          <a:r>
+            <a:rPr lang="en-US" b="0" dirty="0"/>
+            <a:t>("</a:t>
+          </a:r>
+          <a:r>
+            <a:rPr lang="en-US" b="0" dirty="0" err="1"/>
+            <a:t>corsPolicy</a:t>
+          </a:r>
+          <a:r>
+            <a:rPr lang="en-US" b="0" dirty="0"/>
+            <a:t>", build </a:t>
+          </a:r>
+          <a:r>
+            <a:rPr lang="en-US" b="0" i="1" dirty="0"/>
+            <a:t>=&gt;</a:t>
+          </a:r>
+          <a:endParaRPr lang="en-US" b="0" dirty="0"/>
+        </a:p>
+      </dgm:t>
+    </dgm:pt>
+    <dgm:pt modelId="{DFCE74D9-B913-4970-813C-58F537CF4938}" type="parTrans" cxnId="{4C9CF753-6A0D-40A2-A228-D247E37ED162}">
+      <dgm:prSet/>
+      <dgm:spPr/>
+      <dgm:t>
+        <a:bodyPr/>
+        <a:lstStyle/>
+        <a:p>
+          <a:endParaRPr lang="fr-FR"/>
+        </a:p>
+      </dgm:t>
+    </dgm:pt>
+    <dgm:pt modelId="{B411CB47-D217-493C-9A0F-C8117BD4B8A1}" type="sibTrans" cxnId="{4C9CF753-6A0D-40A2-A228-D247E37ED162}">
+      <dgm:prSet/>
+      <dgm:spPr/>
+      <dgm:t>
+        <a:bodyPr/>
+        <a:lstStyle/>
+        <a:p>
+          <a:endParaRPr lang="fr-FR"/>
+        </a:p>
+      </dgm:t>
+    </dgm:pt>
+    <dgm:pt modelId="{C61AD737-302E-471D-A9E7-A6A2109CD441}">
+      <dgm:prSet/>
+      <dgm:spPr/>
+      <dgm:t>
+        <a:bodyPr/>
+        <a:lstStyle/>
+        <a:p>
+          <a:r>
+            <a:rPr lang="fr-FR" b="0" dirty="0"/>
+            <a:t>{</a:t>
+          </a:r>
+        </a:p>
+      </dgm:t>
+    </dgm:pt>
+    <dgm:pt modelId="{EE74BB36-475E-4A87-8A83-2DE125C14F60}" type="parTrans" cxnId="{3DE9BD4A-E2BE-4407-8D68-382AD90F2E31}">
+      <dgm:prSet/>
+      <dgm:spPr/>
+      <dgm:t>
+        <a:bodyPr/>
+        <a:lstStyle/>
+        <a:p>
+          <a:endParaRPr lang="fr-FR"/>
+        </a:p>
+      </dgm:t>
+    </dgm:pt>
+    <dgm:pt modelId="{4C59BC95-5B63-48AD-85BF-2BDCDC497E67}" type="sibTrans" cxnId="{3DE9BD4A-E2BE-4407-8D68-382AD90F2E31}">
+      <dgm:prSet/>
+      <dgm:spPr/>
+      <dgm:t>
+        <a:bodyPr/>
+        <a:lstStyle/>
+        <a:p>
+          <a:endParaRPr lang="fr-FR"/>
+        </a:p>
+      </dgm:t>
+    </dgm:pt>
+    <dgm:pt modelId="{2B75A570-0536-48F4-974A-E8AFCE78B5F5}">
+      <dgm:prSet/>
+      <dgm:spPr/>
+      <dgm:t>
+        <a:bodyPr/>
+        <a:lstStyle/>
+        <a:p>
+          <a:r>
+            <a:rPr lang="fr-FR" b="0" i="1" dirty="0" err="1"/>
+            <a:t>build</a:t>
+          </a:r>
+          <a:r>
+            <a:rPr lang="fr-FR" b="0" dirty="0" err="1"/>
+            <a:t>.</a:t>
+          </a:r>
+          <a:r>
+            <a:rPr lang="fr-FR" b="0" i="1" dirty="0" err="1"/>
+            <a:t>WithOrigins</a:t>
+          </a:r>
+          <a:r>
+            <a:rPr lang="fr-FR" b="0" dirty="0"/>
+            <a:t>("http://127.0.0.1:5500/").</a:t>
+          </a:r>
+          <a:r>
+            <a:rPr lang="fr-FR" b="0" i="1" dirty="0" err="1"/>
+            <a:t>AllowAnyMethod</a:t>
+          </a:r>
+          <a:r>
+            <a:rPr lang="fr-FR" b="0" dirty="0"/>
+            <a:t>().</a:t>
+          </a:r>
+          <a:r>
+            <a:rPr lang="fr-FR" b="0" i="1" dirty="0" err="1"/>
+            <a:t>AllowAnyHeader</a:t>
+          </a:r>
+          <a:r>
+            <a:rPr lang="fr-FR" b="0" dirty="0"/>
+            <a:t>().</a:t>
+          </a:r>
+          <a:r>
+            <a:rPr lang="fr-FR" b="0" i="1" dirty="0" err="1"/>
+            <a:t>AllowAnyOrigin</a:t>
+          </a:r>
+          <a:r>
+            <a:rPr lang="fr-FR" b="0" dirty="0"/>
+            <a:t>();</a:t>
+          </a:r>
+        </a:p>
+      </dgm:t>
+    </dgm:pt>
+    <dgm:pt modelId="{1F855F87-1EC5-4897-8AA6-14BDDD5BC9F2}" type="parTrans" cxnId="{69D3FEB5-C747-4BFA-BA03-EB90B2697B36}">
+      <dgm:prSet/>
+      <dgm:spPr/>
+      <dgm:t>
+        <a:bodyPr/>
+        <a:lstStyle/>
+        <a:p>
+          <a:endParaRPr lang="fr-FR"/>
+        </a:p>
+      </dgm:t>
+    </dgm:pt>
+    <dgm:pt modelId="{4DD15F56-2F55-436E-AFCD-AD8610FA64E7}" type="sibTrans" cxnId="{69D3FEB5-C747-4BFA-BA03-EB90B2697B36}">
+      <dgm:prSet/>
+      <dgm:spPr/>
+      <dgm:t>
+        <a:bodyPr/>
+        <a:lstStyle/>
+        <a:p>
+          <a:endParaRPr lang="fr-FR"/>
+        </a:p>
+      </dgm:t>
+    </dgm:pt>
+    <dgm:pt modelId="{366A316F-C795-4745-8CA4-0630217D4956}">
+      <dgm:prSet/>
+      <dgm:spPr/>
+      <dgm:t>
+        <a:bodyPr/>
+        <a:lstStyle/>
+        <a:p>
+          <a:r>
+            <a:rPr lang="fr-FR" b="0" dirty="0"/>
+            <a:t>}));</a:t>
+          </a:r>
+        </a:p>
+      </dgm:t>
+    </dgm:pt>
+    <dgm:pt modelId="{7EAA5F9D-1CF7-4B7B-8142-2CC04547B215}" type="parTrans" cxnId="{27BBF5C1-4BEB-4856-9C76-608EDB30C762}">
+      <dgm:prSet/>
+      <dgm:spPr/>
+      <dgm:t>
+        <a:bodyPr/>
+        <a:lstStyle/>
+        <a:p>
+          <a:endParaRPr lang="fr-FR"/>
+        </a:p>
+      </dgm:t>
+    </dgm:pt>
+    <dgm:pt modelId="{5B52C894-7BEC-49CA-B867-7E3D13F15DF2}" type="sibTrans" cxnId="{27BBF5C1-4BEB-4856-9C76-608EDB30C762}">
+      <dgm:prSet/>
+      <dgm:spPr/>
+      <dgm:t>
+        <a:bodyPr/>
+        <a:lstStyle/>
+        <a:p>
+          <a:endParaRPr lang="fr-FR"/>
+        </a:p>
+      </dgm:t>
+    </dgm:pt>
+    <dgm:pt modelId="{F693868C-E0E5-4C7C-9B0F-0E3AADFB6B15}">
+      <dgm:prSet/>
+      <dgm:spPr/>
+      <dgm:t>
+        <a:bodyPr/>
+        <a:lstStyle/>
+        <a:p>
+          <a:r>
+            <a:rPr lang="fr-FR" b="0" dirty="0"/>
+            <a:t>Replace http://127.0.0.1:5500/ </a:t>
+          </a:r>
+          <a:r>
+            <a:rPr lang="fr-FR" b="0" dirty="0" err="1"/>
+            <a:t>with</a:t>
+          </a:r>
+          <a:r>
+            <a:rPr lang="fr-FR" b="0" dirty="0"/>
+            <a:t> </a:t>
+          </a:r>
+          <a:r>
+            <a:rPr lang="fr-FR" b="0" dirty="0" err="1"/>
+            <a:t>your</a:t>
+          </a:r>
+          <a:r>
+            <a:rPr lang="fr-FR" b="0" dirty="0"/>
+            <a:t> client app url</a:t>
+          </a:r>
+        </a:p>
+      </dgm:t>
+    </dgm:pt>
+    <dgm:pt modelId="{30D7E839-9D64-4658-8CEB-DAA2626C2B3A}" type="parTrans" cxnId="{4337B8BA-9E64-4280-92B3-6EDAB9790D36}">
+      <dgm:prSet/>
+      <dgm:spPr/>
+      <dgm:t>
+        <a:bodyPr/>
+        <a:lstStyle/>
+        <a:p>
+          <a:endParaRPr lang="fr-FR"/>
+        </a:p>
+      </dgm:t>
+    </dgm:pt>
+    <dgm:pt modelId="{AF9F846E-6E83-43C2-91DF-491B554B29ED}" type="sibTrans" cxnId="{4337B8BA-9E64-4280-92B3-6EDAB9790D36}">
+      <dgm:prSet/>
+      <dgm:spPr/>
+      <dgm:t>
+        <a:bodyPr/>
+        <a:lstStyle/>
+        <a:p>
+          <a:endParaRPr lang="fr-FR"/>
+        </a:p>
+      </dgm:t>
+    </dgm:pt>
+    <dgm:pt modelId="{B68A9EC3-449F-40E0-BCC8-6012FBDF4CDC}">
+      <dgm:prSet/>
+      <dgm:spPr/>
+      <dgm:t>
+        <a:bodyPr/>
+        <a:lstStyle/>
+        <a:p>
+          <a:r>
+            <a:rPr lang="en-GB" b="0" dirty="0"/>
+            <a:t>After var app = </a:t>
+          </a:r>
+          <a:r>
+            <a:rPr lang="en-GB" b="0" dirty="0" err="1"/>
+            <a:t>Builder.build</a:t>
+          </a:r>
+          <a:r>
+            <a:rPr lang="en-GB" b="0" dirty="0"/>
+            <a:t>() add:</a:t>
+          </a:r>
+          <a:endParaRPr lang="fr-FR" b="0" dirty="0"/>
+        </a:p>
+      </dgm:t>
+    </dgm:pt>
+    <dgm:pt modelId="{971A5808-877C-45AA-940B-5207C7046786}" type="parTrans" cxnId="{E766521E-0039-4AB7-A8D0-A9CFCFEBA470}">
+      <dgm:prSet/>
+      <dgm:spPr/>
+      <dgm:t>
+        <a:bodyPr/>
+        <a:lstStyle/>
+        <a:p>
+          <a:endParaRPr lang="fr-FR"/>
+        </a:p>
+      </dgm:t>
+    </dgm:pt>
+    <dgm:pt modelId="{21BB6DB2-ECE9-4F60-8AF5-BC3F6D9BA8D5}" type="sibTrans" cxnId="{E766521E-0039-4AB7-A8D0-A9CFCFEBA470}">
+      <dgm:prSet/>
+      <dgm:spPr/>
+      <dgm:t>
+        <a:bodyPr/>
+        <a:lstStyle/>
+        <a:p>
+          <a:endParaRPr lang="fr-FR"/>
+        </a:p>
+      </dgm:t>
+    </dgm:pt>
+    <dgm:pt modelId="{97BA2918-CFB2-4819-A5CB-2071EC08A1BA}">
+      <dgm:prSet/>
+      <dgm:spPr/>
+      <dgm:t>
+        <a:bodyPr/>
+        <a:lstStyle/>
+        <a:p>
+          <a:r>
+            <a:rPr lang="fr-FR" b="0" dirty="0" err="1"/>
+            <a:t>app.UseCors</a:t>
+          </a:r>
+          <a:r>
+            <a:rPr lang="fr-FR" b="0" dirty="0"/>
+            <a:t>("</a:t>
+          </a:r>
+          <a:r>
+            <a:rPr lang="fr-FR" b="0" dirty="0" err="1"/>
+            <a:t>corsPolicy</a:t>
+          </a:r>
+          <a:r>
+            <a:rPr lang="fr-FR" b="0" dirty="0"/>
+            <a:t>");</a:t>
+          </a:r>
+        </a:p>
+      </dgm:t>
+    </dgm:pt>
+    <dgm:pt modelId="{B56A4698-8F39-4202-ADCD-B8BB6003FB14}" type="parTrans" cxnId="{DAB56300-A3F3-4526-917C-4595A7BB172A}">
+      <dgm:prSet/>
+      <dgm:spPr/>
+      <dgm:t>
+        <a:bodyPr/>
+        <a:lstStyle/>
+        <a:p>
+          <a:endParaRPr lang="fr-FR"/>
+        </a:p>
+      </dgm:t>
+    </dgm:pt>
+    <dgm:pt modelId="{A68867EF-B411-4FFB-9AD8-BB8EDDE79834}" type="sibTrans" cxnId="{DAB56300-A3F3-4526-917C-4595A7BB172A}">
+      <dgm:prSet/>
+      <dgm:spPr/>
+      <dgm:t>
+        <a:bodyPr/>
+        <a:lstStyle/>
+        <a:p>
+          <a:endParaRPr lang="fr-FR"/>
+        </a:p>
+      </dgm:t>
+    </dgm:pt>
+    <dgm:pt modelId="{A2881BBB-A3F6-4248-9A7E-9903C0C96DE2}" type="pres">
+      <dgm:prSet presAssocID="{132D40D9-B523-4190-84AA-BB7B5BC113B9}" presName="linear" presStyleCnt="0">
+        <dgm:presLayoutVars>
+          <dgm:animLvl val="lvl"/>
+          <dgm:resizeHandles val="exact"/>
+        </dgm:presLayoutVars>
+      </dgm:prSet>
+      <dgm:spPr/>
+    </dgm:pt>
+    <dgm:pt modelId="{E33601F2-B3EF-4505-9025-F24B3ECC5A85}" type="pres">
+      <dgm:prSet presAssocID="{78E3A9A9-F3D2-408E-B585-7C90B49F6AC4}" presName="parentText" presStyleLbl="node1" presStyleIdx="0" presStyleCnt="3" custLinFactNeighborX="0">
+        <dgm:presLayoutVars>
+          <dgm:chMax val="0"/>
+          <dgm:bulletEnabled val="1"/>
+        </dgm:presLayoutVars>
+      </dgm:prSet>
+      <dgm:spPr/>
+    </dgm:pt>
+    <dgm:pt modelId="{C1BE7C12-32B3-4D85-ADA5-6F23531FF2FA}" type="pres">
+      <dgm:prSet presAssocID="{78E3A9A9-F3D2-408E-B585-7C90B49F6AC4}" presName="childText" presStyleLbl="revTx" presStyleIdx="0" presStyleCnt="2">
+        <dgm:presLayoutVars>
+          <dgm:bulletEnabled val="1"/>
+        </dgm:presLayoutVars>
+      </dgm:prSet>
+      <dgm:spPr/>
+    </dgm:pt>
+    <dgm:pt modelId="{DC9DE10F-4D18-49CA-AC23-8C0460C51D0E}" type="pres">
+      <dgm:prSet presAssocID="{F693868C-E0E5-4C7C-9B0F-0E3AADFB6B15}" presName="parentText" presStyleLbl="node1" presStyleIdx="1" presStyleCnt="3">
+        <dgm:presLayoutVars>
+          <dgm:chMax val="0"/>
+          <dgm:bulletEnabled val="1"/>
+        </dgm:presLayoutVars>
+      </dgm:prSet>
+      <dgm:spPr/>
+    </dgm:pt>
+    <dgm:pt modelId="{15F0E82E-89C2-490C-B81E-FC7EEA7E3954}" type="pres">
+      <dgm:prSet presAssocID="{AF9F846E-6E83-43C2-91DF-491B554B29ED}" presName="spacer" presStyleCnt="0"/>
+      <dgm:spPr/>
+    </dgm:pt>
+    <dgm:pt modelId="{AD74E927-CF60-49F2-8152-38274DC182BD}" type="pres">
+      <dgm:prSet presAssocID="{B68A9EC3-449F-40E0-BCC8-6012FBDF4CDC}" presName="parentText" presStyleLbl="node1" presStyleIdx="2" presStyleCnt="3">
+        <dgm:presLayoutVars>
+          <dgm:chMax val="0"/>
+          <dgm:bulletEnabled val="1"/>
+        </dgm:presLayoutVars>
+      </dgm:prSet>
+      <dgm:spPr/>
+    </dgm:pt>
+    <dgm:pt modelId="{F5885EC8-03D2-40D8-8B61-F0DB71D652F0}" type="pres">
+      <dgm:prSet presAssocID="{B68A9EC3-449F-40E0-BCC8-6012FBDF4CDC}" presName="childText" presStyleLbl="revTx" presStyleIdx="1" presStyleCnt="2">
+        <dgm:presLayoutVars>
+          <dgm:bulletEnabled val="1"/>
+        </dgm:presLayoutVars>
+      </dgm:prSet>
+      <dgm:spPr/>
+    </dgm:pt>
+  </dgm:ptLst>
+  <dgm:cxnLst>
+    <dgm:cxn modelId="{DAB56300-A3F3-4526-917C-4595A7BB172A}" srcId="{B68A9EC3-449F-40E0-BCC8-6012FBDF4CDC}" destId="{97BA2918-CFB2-4819-A5CB-2071EC08A1BA}" srcOrd="0" destOrd="0" parTransId="{B56A4698-8F39-4202-ADCD-B8BB6003FB14}" sibTransId="{A68867EF-B411-4FFB-9AD8-BB8EDDE79834}"/>
+    <dgm:cxn modelId="{33456A1A-F756-4525-A4FB-5343D7323A71}" type="presOf" srcId="{97BA2918-CFB2-4819-A5CB-2071EC08A1BA}" destId="{F5885EC8-03D2-40D8-8B61-F0DB71D652F0}" srcOrd="0" destOrd="0" presId="urn:microsoft.com/office/officeart/2005/8/layout/vList2"/>
+    <dgm:cxn modelId="{E766521E-0039-4AB7-A8D0-A9CFCFEBA470}" srcId="{132D40D9-B523-4190-84AA-BB7B5BC113B9}" destId="{B68A9EC3-449F-40E0-BCC8-6012FBDF4CDC}" srcOrd="2" destOrd="0" parTransId="{971A5808-877C-45AA-940B-5207C7046786}" sibTransId="{21BB6DB2-ECE9-4F60-8AF5-BC3F6D9BA8D5}"/>
+    <dgm:cxn modelId="{56F9D428-F681-447D-99D1-D41792A3EDCD}" srcId="{132D40D9-B523-4190-84AA-BB7B5BC113B9}" destId="{78E3A9A9-F3D2-408E-B585-7C90B49F6AC4}" srcOrd="0" destOrd="0" parTransId="{FBEAA3BD-F8D5-48A8-9400-D8EFCC966404}" sibTransId="{F79E3C75-47C3-474C-9DB8-12CAA3B81BDD}"/>
+    <dgm:cxn modelId="{B453495F-E24C-485B-9A84-E4E59C5983F0}" type="presOf" srcId="{5595F85E-D1A1-48AB-95C0-BC355667990D}" destId="{C1BE7C12-32B3-4D85-ADA5-6F23531FF2FA}" srcOrd="0" destOrd="0" presId="urn:microsoft.com/office/officeart/2005/8/layout/vList2"/>
+    <dgm:cxn modelId="{91922E48-FF55-4BEF-97DD-B6F384327F99}" type="presOf" srcId="{F693868C-E0E5-4C7C-9B0F-0E3AADFB6B15}" destId="{DC9DE10F-4D18-49CA-AC23-8C0460C51D0E}" srcOrd="0" destOrd="0" presId="urn:microsoft.com/office/officeart/2005/8/layout/vList2"/>
+    <dgm:cxn modelId="{3DE9BD4A-E2BE-4407-8D68-382AD90F2E31}" srcId="{78E3A9A9-F3D2-408E-B585-7C90B49F6AC4}" destId="{C61AD737-302E-471D-A9E7-A6A2109CD441}" srcOrd="2" destOrd="0" parTransId="{EE74BB36-475E-4A87-8A83-2DE125C14F60}" sibTransId="{4C59BC95-5B63-48AD-85BF-2BDCDC497E67}"/>
+    <dgm:cxn modelId="{4C9CF753-6A0D-40A2-A228-D247E37ED162}" srcId="{78E3A9A9-F3D2-408E-B585-7C90B49F6AC4}" destId="{E0FADA08-5868-4760-87BE-20CCE2224EC9}" srcOrd="1" destOrd="0" parTransId="{DFCE74D9-B913-4970-813C-58F537CF4938}" sibTransId="{B411CB47-D217-493C-9A0F-C8117BD4B8A1}"/>
+    <dgm:cxn modelId="{33CE2A80-2968-48A7-9E0D-4B63491F726E}" type="presOf" srcId="{366A316F-C795-4745-8CA4-0630217D4956}" destId="{C1BE7C12-32B3-4D85-ADA5-6F23531FF2FA}" srcOrd="0" destOrd="4" presId="urn:microsoft.com/office/officeart/2005/8/layout/vList2"/>
+    <dgm:cxn modelId="{E6F4F297-D959-4571-BE17-72F418B82218}" type="presOf" srcId="{B68A9EC3-449F-40E0-BCC8-6012FBDF4CDC}" destId="{AD74E927-CF60-49F2-8152-38274DC182BD}" srcOrd="0" destOrd="0" presId="urn:microsoft.com/office/officeart/2005/8/layout/vList2"/>
+    <dgm:cxn modelId="{794741AB-8B90-41B5-B646-DD2CAAC1169C}" srcId="{78E3A9A9-F3D2-408E-B585-7C90B49F6AC4}" destId="{5595F85E-D1A1-48AB-95C0-BC355667990D}" srcOrd="0" destOrd="0" parTransId="{30B21990-024E-43BD-80B5-71DE7A34832E}" sibTransId="{1459558E-309A-41F5-A827-27DBE6A89B2F}"/>
+    <dgm:cxn modelId="{69D3FEB5-C747-4BFA-BA03-EB90B2697B36}" srcId="{78E3A9A9-F3D2-408E-B585-7C90B49F6AC4}" destId="{2B75A570-0536-48F4-974A-E8AFCE78B5F5}" srcOrd="3" destOrd="0" parTransId="{1F855F87-1EC5-4897-8AA6-14BDDD5BC9F2}" sibTransId="{4DD15F56-2F55-436E-AFCD-AD8610FA64E7}"/>
+    <dgm:cxn modelId="{4337B8BA-9E64-4280-92B3-6EDAB9790D36}" srcId="{132D40D9-B523-4190-84AA-BB7B5BC113B9}" destId="{F693868C-E0E5-4C7C-9B0F-0E3AADFB6B15}" srcOrd="1" destOrd="0" parTransId="{30D7E839-9D64-4658-8CEB-DAA2626C2B3A}" sibTransId="{AF9F846E-6E83-43C2-91DF-491B554B29ED}"/>
+    <dgm:cxn modelId="{27BBF5C1-4BEB-4856-9C76-608EDB30C762}" srcId="{78E3A9A9-F3D2-408E-B585-7C90B49F6AC4}" destId="{366A316F-C795-4745-8CA4-0630217D4956}" srcOrd="4" destOrd="0" parTransId="{7EAA5F9D-1CF7-4B7B-8142-2CC04547B215}" sibTransId="{5B52C894-7BEC-49CA-B867-7E3D13F15DF2}"/>
+    <dgm:cxn modelId="{868922C7-DEF1-4B0E-A962-02C14035AE0A}" type="presOf" srcId="{2B75A570-0536-48F4-974A-E8AFCE78B5F5}" destId="{C1BE7C12-32B3-4D85-ADA5-6F23531FF2FA}" srcOrd="0" destOrd="3" presId="urn:microsoft.com/office/officeart/2005/8/layout/vList2"/>
+    <dgm:cxn modelId="{ADB1ADD1-9DEA-4094-B089-1238E3A0D01A}" type="presOf" srcId="{E0FADA08-5868-4760-87BE-20CCE2224EC9}" destId="{C1BE7C12-32B3-4D85-ADA5-6F23531FF2FA}" srcOrd="0" destOrd="1" presId="urn:microsoft.com/office/officeart/2005/8/layout/vList2"/>
+    <dgm:cxn modelId="{860B90D8-E124-4A44-976D-4818566AEE97}" type="presOf" srcId="{C61AD737-302E-471D-A9E7-A6A2109CD441}" destId="{C1BE7C12-32B3-4D85-ADA5-6F23531FF2FA}" srcOrd="0" destOrd="2" presId="urn:microsoft.com/office/officeart/2005/8/layout/vList2"/>
+    <dgm:cxn modelId="{DEF3DBEA-058E-41B4-98C8-B4903D614964}" type="presOf" srcId="{132D40D9-B523-4190-84AA-BB7B5BC113B9}" destId="{A2881BBB-A3F6-4248-9A7E-9903C0C96DE2}" srcOrd="0" destOrd="0" presId="urn:microsoft.com/office/officeart/2005/8/layout/vList2"/>
+    <dgm:cxn modelId="{F6B015FB-BADA-4B6D-9B1F-04F73B552EC2}" type="presOf" srcId="{78E3A9A9-F3D2-408E-B585-7C90B49F6AC4}" destId="{E33601F2-B3EF-4505-9025-F24B3ECC5A85}" srcOrd="0" destOrd="0" presId="urn:microsoft.com/office/officeart/2005/8/layout/vList2"/>
+    <dgm:cxn modelId="{F9B44212-54D2-441E-A712-BBBB88F23F84}" type="presParOf" srcId="{A2881BBB-A3F6-4248-9A7E-9903C0C96DE2}" destId="{E33601F2-B3EF-4505-9025-F24B3ECC5A85}" srcOrd="0" destOrd="0" presId="urn:microsoft.com/office/officeart/2005/8/layout/vList2"/>
+    <dgm:cxn modelId="{9CE00A91-B0ED-43F1-8D58-F9AEFBBE68C0}" type="presParOf" srcId="{A2881BBB-A3F6-4248-9A7E-9903C0C96DE2}" destId="{C1BE7C12-32B3-4D85-ADA5-6F23531FF2FA}" srcOrd="1" destOrd="0" presId="urn:microsoft.com/office/officeart/2005/8/layout/vList2"/>
+    <dgm:cxn modelId="{DF8E0C0D-4AA1-4D6B-BCD4-E374EBF57DBA}" type="presParOf" srcId="{A2881BBB-A3F6-4248-9A7E-9903C0C96DE2}" destId="{DC9DE10F-4D18-49CA-AC23-8C0460C51D0E}" srcOrd="2" destOrd="0" presId="urn:microsoft.com/office/officeart/2005/8/layout/vList2"/>
+    <dgm:cxn modelId="{55C45B7E-BC9E-4FE2-A523-09D5E2B0F42D}" type="presParOf" srcId="{A2881BBB-A3F6-4248-9A7E-9903C0C96DE2}" destId="{15F0E82E-89C2-490C-B81E-FC7EEA7E3954}" srcOrd="3" destOrd="0" presId="urn:microsoft.com/office/officeart/2005/8/layout/vList2"/>
+    <dgm:cxn modelId="{248D9AC8-E6AE-4DAA-90EF-A83CE5033CBC}" type="presParOf" srcId="{A2881BBB-A3F6-4248-9A7E-9903C0C96DE2}" destId="{AD74E927-CF60-49F2-8152-38274DC182BD}" srcOrd="4" destOrd="0" presId="urn:microsoft.com/office/officeart/2005/8/layout/vList2"/>
+    <dgm:cxn modelId="{9D1B0B7F-84B9-4C1F-A1A3-15D68BF1B21C}" type="presParOf" srcId="{A2881BBB-A3F6-4248-9A7E-9903C0C96DE2}" destId="{F5885EC8-03D2-40D8-8B61-F0DB71D652F0}" srcOrd="5" destOrd="0" presId="urn:microsoft.com/office/officeart/2005/8/layout/vList2"/>
   </dgm:cxnLst>
   <dgm:bg/>
   <dgm:whole/>
@@ -17206,6 +18533,588 @@
       <dsp:txXfrm>
         <a:off x="0" y="3186945"/>
         <a:ext cx="10058399" cy="811440"/>
+      </dsp:txXfrm>
+    </dsp:sp>
+  </dsp:spTree>
+</dsp:drawing>
+</file>
+
+<file path=ppt/diagrams/drawing14.xml><?xml version="1.0" encoding="utf-8"?>
+<dsp:drawing xmlns:dgm="http://schemas.openxmlformats.org/drawingml/2006/diagram" xmlns:dsp="http://schemas.microsoft.com/office/drawing/2008/diagram" xmlns:a="http://schemas.openxmlformats.org/drawingml/2006/main">
+  <dsp:spTree>
+    <dsp:nvGrpSpPr>
+      <dsp:cNvPr id="0" name=""/>
+      <dsp:cNvGrpSpPr/>
+    </dsp:nvGrpSpPr>
+    <dsp:grpSpPr/>
+    <dsp:sp modelId="{E33601F2-B3EF-4505-9025-F24B3ECC5A85}">
+      <dsp:nvSpPr>
+        <dsp:cNvPr id="0" name=""/>
+        <dsp:cNvSpPr/>
+      </dsp:nvSpPr>
+      <dsp:spPr>
+        <a:xfrm>
+          <a:off x="0" y="175072"/>
+          <a:ext cx="10058399" cy="551655"/>
+        </a:xfrm>
+        <a:prstGeom prst="roundRect">
+          <a:avLst/>
+        </a:prstGeom>
+        <a:solidFill>
+          <a:schemeClr val="accent1">
+            <a:hueOff val="0"/>
+            <a:satOff val="0"/>
+            <a:lumOff val="0"/>
+            <a:alphaOff val="0"/>
+          </a:schemeClr>
+        </a:solidFill>
+        <a:ln w="15875" cap="flat" cmpd="sng" algn="ctr">
+          <a:solidFill>
+            <a:schemeClr val="lt1">
+              <a:hueOff val="0"/>
+              <a:satOff val="0"/>
+              <a:lumOff val="0"/>
+              <a:alphaOff val="0"/>
+            </a:schemeClr>
+          </a:solidFill>
+          <a:prstDash val="solid"/>
+        </a:ln>
+        <a:effectLst/>
+      </dsp:spPr>
+      <dsp:style>
+        <a:lnRef idx="2">
+          <a:scrgbClr r="0" g="0" b="0"/>
+        </a:lnRef>
+        <a:fillRef idx="1">
+          <a:scrgbClr r="0" g="0" b="0"/>
+        </a:fillRef>
+        <a:effectRef idx="0">
+          <a:scrgbClr r="0" g="0" b="0"/>
+        </a:effectRef>
+        <a:fontRef idx="minor">
+          <a:schemeClr val="lt1"/>
+        </a:fontRef>
+      </dsp:style>
+      <dsp:txBody>
+        <a:bodyPr spcFirstLastPara="0" vert="horz" wrap="square" lIns="87630" tIns="87630" rIns="87630" bIns="87630" numCol="1" spcCol="1270" anchor="ctr" anchorCtr="0">
+          <a:noAutofit/>
+        </a:bodyPr>
+        <a:lstStyle/>
+        <a:p>
+          <a:pPr marL="0" lvl="0" indent="0" algn="l" defTabSz="1022350">
+            <a:lnSpc>
+              <a:spcPct val="90000"/>
+            </a:lnSpc>
+            <a:spcBef>
+              <a:spcPct val="0"/>
+            </a:spcBef>
+            <a:spcAft>
+              <a:spcPct val="35000"/>
+            </a:spcAft>
+            <a:buNone/>
+          </a:pPr>
+          <a:r>
+            <a:rPr lang="en-GB" sz="2300" kern="1200" dirty="0"/>
+            <a:t>In </a:t>
+          </a:r>
+          <a:r>
+            <a:rPr lang="en-GB" sz="2300" kern="1200" dirty="0" err="1"/>
+            <a:t>Program.cs</a:t>
+          </a:r>
+          <a:r>
+            <a:rPr lang="en-GB" sz="2300" kern="1200" dirty="0"/>
+            <a:t> add:</a:t>
+          </a:r>
+        </a:p>
+      </dsp:txBody>
+      <dsp:txXfrm>
+        <a:off x="26930" y="202002"/>
+        <a:ext cx="10004539" cy="497795"/>
+      </dsp:txXfrm>
+    </dsp:sp>
+    <dsp:sp modelId="{C1BE7C12-32B3-4D85-ADA5-6F23531FF2FA}">
+      <dsp:nvSpPr>
+        <dsp:cNvPr id="0" name=""/>
+        <dsp:cNvSpPr/>
+      </dsp:nvSpPr>
+      <dsp:spPr>
+        <a:xfrm>
+          <a:off x="0" y="726727"/>
+          <a:ext cx="10058399" cy="1571130"/>
+        </a:xfrm>
+        <a:prstGeom prst="rect">
+          <a:avLst/>
+        </a:prstGeom>
+        <a:noFill/>
+        <a:ln>
+          <a:noFill/>
+        </a:ln>
+        <a:effectLst/>
+      </dsp:spPr>
+      <dsp:style>
+        <a:lnRef idx="0">
+          <a:scrgbClr r="0" g="0" b="0"/>
+        </a:lnRef>
+        <a:fillRef idx="0">
+          <a:scrgbClr r="0" g="0" b="0"/>
+        </a:fillRef>
+        <a:effectRef idx="0">
+          <a:scrgbClr r="0" g="0" b="0"/>
+        </a:effectRef>
+        <a:fontRef idx="minor"/>
+      </dsp:style>
+      <dsp:txBody>
+        <a:bodyPr spcFirstLastPara="0" vert="horz" wrap="square" lIns="319354" tIns="29210" rIns="163576" bIns="29210" numCol="1" spcCol="1270" anchor="t" anchorCtr="0">
+          <a:noAutofit/>
+        </a:bodyPr>
+        <a:lstStyle/>
+        <a:p>
+          <a:pPr marL="171450" lvl="1" indent="-171450" algn="l" defTabSz="800100">
+            <a:lnSpc>
+              <a:spcPct val="90000"/>
+            </a:lnSpc>
+            <a:spcBef>
+              <a:spcPct val="0"/>
+            </a:spcBef>
+            <a:spcAft>
+              <a:spcPct val="20000"/>
+            </a:spcAft>
+            <a:buChar char="•"/>
+          </a:pPr>
+          <a:r>
+            <a:rPr lang="fr-FR" sz="1800" b="0" i="1" kern="1200" dirty="0"/>
+            <a:t>// enable cors</a:t>
+          </a:r>
+          <a:endParaRPr lang="en-GB" sz="1800" kern="1200" dirty="0"/>
+        </a:p>
+        <a:p>
+          <a:pPr marL="171450" lvl="1" indent="-171450" algn="l" defTabSz="800100">
+            <a:lnSpc>
+              <a:spcPct val="90000"/>
+            </a:lnSpc>
+            <a:spcBef>
+              <a:spcPct val="0"/>
+            </a:spcBef>
+            <a:spcAft>
+              <a:spcPct val="20000"/>
+            </a:spcAft>
+            <a:buChar char="•"/>
+          </a:pPr>
+          <a:r>
+            <a:rPr lang="en-US" sz="1800" b="0" i="1" kern="1200" dirty="0" err="1"/>
+            <a:t>builder</a:t>
+          </a:r>
+          <a:r>
+            <a:rPr lang="en-US" sz="1800" b="0" kern="1200" dirty="0" err="1"/>
+            <a:t>.</a:t>
+          </a:r>
+          <a:r>
+            <a:rPr lang="en-US" sz="1800" b="0" i="1" kern="1200" dirty="0" err="1"/>
+            <a:t>Services</a:t>
+          </a:r>
+          <a:r>
+            <a:rPr lang="en-US" sz="1800" b="0" kern="1200" dirty="0" err="1"/>
+            <a:t>.</a:t>
+          </a:r>
+          <a:r>
+            <a:rPr lang="en-US" sz="1800" b="0" i="1" kern="1200" dirty="0" err="1"/>
+            <a:t>AddCors</a:t>
+          </a:r>
+          <a:r>
+            <a:rPr lang="en-US" sz="1800" b="0" kern="1200" dirty="0"/>
+            <a:t>(</a:t>
+          </a:r>
+          <a:r>
+            <a:rPr lang="en-US" sz="1800" b="0" kern="1200" dirty="0" err="1"/>
+            <a:t>cors</a:t>
+          </a:r>
+          <a:r>
+            <a:rPr lang="en-US" sz="1800" b="0" kern="1200" dirty="0"/>
+            <a:t> </a:t>
+          </a:r>
+          <a:r>
+            <a:rPr lang="en-US" sz="1800" b="0" i="1" kern="1200" dirty="0"/>
+            <a:t>=&gt;</a:t>
+          </a:r>
+          <a:r>
+            <a:rPr lang="en-US" sz="1800" b="0" kern="1200" dirty="0"/>
+            <a:t> </a:t>
+          </a:r>
+          <a:r>
+            <a:rPr lang="en-US" sz="1800" b="0" i="1" kern="1200" dirty="0" err="1"/>
+            <a:t>cors</a:t>
+          </a:r>
+          <a:r>
+            <a:rPr lang="en-US" sz="1800" b="0" kern="1200" dirty="0" err="1"/>
+            <a:t>.</a:t>
+          </a:r>
+          <a:r>
+            <a:rPr lang="en-US" sz="1800" b="0" i="1" kern="1200" dirty="0" err="1"/>
+            <a:t>AddPolicy</a:t>
+          </a:r>
+          <a:r>
+            <a:rPr lang="en-US" sz="1800" b="0" kern="1200" dirty="0"/>
+            <a:t>("</a:t>
+          </a:r>
+          <a:r>
+            <a:rPr lang="en-US" sz="1800" b="0" kern="1200" dirty="0" err="1"/>
+            <a:t>corsPolicy</a:t>
+          </a:r>
+          <a:r>
+            <a:rPr lang="en-US" sz="1800" b="0" kern="1200" dirty="0"/>
+            <a:t>", build </a:t>
+          </a:r>
+          <a:r>
+            <a:rPr lang="en-US" sz="1800" b="0" i="1" kern="1200" dirty="0"/>
+            <a:t>=&gt;</a:t>
+          </a:r>
+          <a:endParaRPr lang="en-US" sz="1800" b="0" kern="1200" dirty="0"/>
+        </a:p>
+        <a:p>
+          <a:pPr marL="171450" lvl="1" indent="-171450" algn="l" defTabSz="800100">
+            <a:lnSpc>
+              <a:spcPct val="90000"/>
+            </a:lnSpc>
+            <a:spcBef>
+              <a:spcPct val="0"/>
+            </a:spcBef>
+            <a:spcAft>
+              <a:spcPct val="20000"/>
+            </a:spcAft>
+            <a:buChar char="•"/>
+          </a:pPr>
+          <a:r>
+            <a:rPr lang="fr-FR" sz="1800" b="0" kern="1200" dirty="0"/>
+            <a:t>{</a:t>
+          </a:r>
+        </a:p>
+        <a:p>
+          <a:pPr marL="171450" lvl="1" indent="-171450" algn="l" defTabSz="800100">
+            <a:lnSpc>
+              <a:spcPct val="90000"/>
+            </a:lnSpc>
+            <a:spcBef>
+              <a:spcPct val="0"/>
+            </a:spcBef>
+            <a:spcAft>
+              <a:spcPct val="20000"/>
+            </a:spcAft>
+            <a:buChar char="•"/>
+          </a:pPr>
+          <a:r>
+            <a:rPr lang="fr-FR" sz="1800" b="0" i="1" kern="1200" dirty="0" err="1"/>
+            <a:t>build</a:t>
+          </a:r>
+          <a:r>
+            <a:rPr lang="fr-FR" sz="1800" b="0" kern="1200" dirty="0" err="1"/>
+            <a:t>.</a:t>
+          </a:r>
+          <a:r>
+            <a:rPr lang="fr-FR" sz="1800" b="0" i="1" kern="1200" dirty="0" err="1"/>
+            <a:t>WithOrigins</a:t>
+          </a:r>
+          <a:r>
+            <a:rPr lang="fr-FR" sz="1800" b="0" kern="1200" dirty="0"/>
+            <a:t>("http://127.0.0.1:5500/").</a:t>
+          </a:r>
+          <a:r>
+            <a:rPr lang="fr-FR" sz="1800" b="0" i="1" kern="1200" dirty="0" err="1"/>
+            <a:t>AllowAnyMethod</a:t>
+          </a:r>
+          <a:r>
+            <a:rPr lang="fr-FR" sz="1800" b="0" kern="1200" dirty="0"/>
+            <a:t>().</a:t>
+          </a:r>
+          <a:r>
+            <a:rPr lang="fr-FR" sz="1800" b="0" i="1" kern="1200" dirty="0" err="1"/>
+            <a:t>AllowAnyHeader</a:t>
+          </a:r>
+          <a:r>
+            <a:rPr lang="fr-FR" sz="1800" b="0" kern="1200" dirty="0"/>
+            <a:t>().</a:t>
+          </a:r>
+          <a:r>
+            <a:rPr lang="fr-FR" sz="1800" b="0" i="1" kern="1200" dirty="0" err="1"/>
+            <a:t>AllowAnyOrigin</a:t>
+          </a:r>
+          <a:r>
+            <a:rPr lang="fr-FR" sz="1800" b="0" kern="1200" dirty="0"/>
+            <a:t>();</a:t>
+          </a:r>
+        </a:p>
+        <a:p>
+          <a:pPr marL="171450" lvl="1" indent="-171450" algn="l" defTabSz="800100">
+            <a:lnSpc>
+              <a:spcPct val="90000"/>
+            </a:lnSpc>
+            <a:spcBef>
+              <a:spcPct val="0"/>
+            </a:spcBef>
+            <a:spcAft>
+              <a:spcPct val="20000"/>
+            </a:spcAft>
+            <a:buChar char="•"/>
+          </a:pPr>
+          <a:r>
+            <a:rPr lang="fr-FR" sz="1800" b="0" kern="1200" dirty="0"/>
+            <a:t>}));</a:t>
+          </a:r>
+        </a:p>
+      </dsp:txBody>
+      <dsp:txXfrm>
+        <a:off x="0" y="726727"/>
+        <a:ext cx="10058399" cy="1571130"/>
+      </dsp:txXfrm>
+    </dsp:sp>
+    <dsp:sp modelId="{DC9DE10F-4D18-49CA-AC23-8C0460C51D0E}">
+      <dsp:nvSpPr>
+        <dsp:cNvPr id="0" name=""/>
+        <dsp:cNvSpPr/>
+      </dsp:nvSpPr>
+      <dsp:spPr>
+        <a:xfrm>
+          <a:off x="0" y="2297857"/>
+          <a:ext cx="10058399" cy="551655"/>
+        </a:xfrm>
+        <a:prstGeom prst="roundRect">
+          <a:avLst/>
+        </a:prstGeom>
+        <a:solidFill>
+          <a:schemeClr val="accent1">
+            <a:hueOff val="0"/>
+            <a:satOff val="0"/>
+            <a:lumOff val="0"/>
+            <a:alphaOff val="0"/>
+          </a:schemeClr>
+        </a:solidFill>
+        <a:ln w="15875" cap="flat" cmpd="sng" algn="ctr">
+          <a:solidFill>
+            <a:schemeClr val="lt1">
+              <a:hueOff val="0"/>
+              <a:satOff val="0"/>
+              <a:lumOff val="0"/>
+              <a:alphaOff val="0"/>
+            </a:schemeClr>
+          </a:solidFill>
+          <a:prstDash val="solid"/>
+        </a:ln>
+        <a:effectLst/>
+      </dsp:spPr>
+      <dsp:style>
+        <a:lnRef idx="2">
+          <a:scrgbClr r="0" g="0" b="0"/>
+        </a:lnRef>
+        <a:fillRef idx="1">
+          <a:scrgbClr r="0" g="0" b="0"/>
+        </a:fillRef>
+        <a:effectRef idx="0">
+          <a:scrgbClr r="0" g="0" b="0"/>
+        </a:effectRef>
+        <a:fontRef idx="minor">
+          <a:schemeClr val="lt1"/>
+        </a:fontRef>
+      </dsp:style>
+      <dsp:txBody>
+        <a:bodyPr spcFirstLastPara="0" vert="horz" wrap="square" lIns="87630" tIns="87630" rIns="87630" bIns="87630" numCol="1" spcCol="1270" anchor="ctr" anchorCtr="0">
+          <a:noAutofit/>
+        </a:bodyPr>
+        <a:lstStyle/>
+        <a:p>
+          <a:pPr marL="0" lvl="0" indent="0" algn="l" defTabSz="1022350">
+            <a:lnSpc>
+              <a:spcPct val="90000"/>
+            </a:lnSpc>
+            <a:spcBef>
+              <a:spcPct val="0"/>
+            </a:spcBef>
+            <a:spcAft>
+              <a:spcPct val="35000"/>
+            </a:spcAft>
+            <a:buNone/>
+          </a:pPr>
+          <a:r>
+            <a:rPr lang="fr-FR" sz="2300" b="0" kern="1200" dirty="0"/>
+            <a:t>Replace http://127.0.0.1:5500/ </a:t>
+          </a:r>
+          <a:r>
+            <a:rPr lang="fr-FR" sz="2300" b="0" kern="1200" dirty="0" err="1"/>
+            <a:t>with</a:t>
+          </a:r>
+          <a:r>
+            <a:rPr lang="fr-FR" sz="2300" b="0" kern="1200" dirty="0"/>
+            <a:t> </a:t>
+          </a:r>
+          <a:r>
+            <a:rPr lang="fr-FR" sz="2300" b="0" kern="1200" dirty="0" err="1"/>
+            <a:t>your</a:t>
+          </a:r>
+          <a:r>
+            <a:rPr lang="fr-FR" sz="2300" b="0" kern="1200" dirty="0"/>
+            <a:t> client app url</a:t>
+          </a:r>
+        </a:p>
+      </dsp:txBody>
+      <dsp:txXfrm>
+        <a:off x="26930" y="2324787"/>
+        <a:ext cx="10004539" cy="497795"/>
+      </dsp:txXfrm>
+    </dsp:sp>
+    <dsp:sp modelId="{AD74E927-CF60-49F2-8152-38274DC182BD}">
+      <dsp:nvSpPr>
+        <dsp:cNvPr id="0" name=""/>
+        <dsp:cNvSpPr/>
+      </dsp:nvSpPr>
+      <dsp:spPr>
+        <a:xfrm>
+          <a:off x="0" y="2915752"/>
+          <a:ext cx="10058399" cy="551655"/>
+        </a:xfrm>
+        <a:prstGeom prst="roundRect">
+          <a:avLst/>
+        </a:prstGeom>
+        <a:solidFill>
+          <a:schemeClr val="accent1">
+            <a:hueOff val="0"/>
+            <a:satOff val="0"/>
+            <a:lumOff val="0"/>
+            <a:alphaOff val="0"/>
+          </a:schemeClr>
+        </a:solidFill>
+        <a:ln w="15875" cap="flat" cmpd="sng" algn="ctr">
+          <a:solidFill>
+            <a:schemeClr val="lt1">
+              <a:hueOff val="0"/>
+              <a:satOff val="0"/>
+              <a:lumOff val="0"/>
+              <a:alphaOff val="0"/>
+            </a:schemeClr>
+          </a:solidFill>
+          <a:prstDash val="solid"/>
+        </a:ln>
+        <a:effectLst/>
+      </dsp:spPr>
+      <dsp:style>
+        <a:lnRef idx="2">
+          <a:scrgbClr r="0" g="0" b="0"/>
+        </a:lnRef>
+        <a:fillRef idx="1">
+          <a:scrgbClr r="0" g="0" b="0"/>
+        </a:fillRef>
+        <a:effectRef idx="0">
+          <a:scrgbClr r="0" g="0" b="0"/>
+        </a:effectRef>
+        <a:fontRef idx="minor">
+          <a:schemeClr val="lt1"/>
+        </a:fontRef>
+      </dsp:style>
+      <dsp:txBody>
+        <a:bodyPr spcFirstLastPara="0" vert="horz" wrap="square" lIns="87630" tIns="87630" rIns="87630" bIns="87630" numCol="1" spcCol="1270" anchor="ctr" anchorCtr="0">
+          <a:noAutofit/>
+        </a:bodyPr>
+        <a:lstStyle/>
+        <a:p>
+          <a:pPr marL="0" lvl="0" indent="0" algn="l" defTabSz="1022350">
+            <a:lnSpc>
+              <a:spcPct val="90000"/>
+            </a:lnSpc>
+            <a:spcBef>
+              <a:spcPct val="0"/>
+            </a:spcBef>
+            <a:spcAft>
+              <a:spcPct val="35000"/>
+            </a:spcAft>
+            <a:buNone/>
+          </a:pPr>
+          <a:r>
+            <a:rPr lang="en-GB" sz="2300" b="0" kern="1200" dirty="0"/>
+            <a:t>After var app = </a:t>
+          </a:r>
+          <a:r>
+            <a:rPr lang="en-GB" sz="2300" b="0" kern="1200" dirty="0" err="1"/>
+            <a:t>Builder.build</a:t>
+          </a:r>
+          <a:r>
+            <a:rPr lang="en-GB" sz="2300" b="0" kern="1200" dirty="0"/>
+            <a:t>() add:</a:t>
+          </a:r>
+          <a:endParaRPr lang="fr-FR" sz="2300" b="0" kern="1200" dirty="0"/>
+        </a:p>
+      </dsp:txBody>
+      <dsp:txXfrm>
+        <a:off x="26930" y="2942682"/>
+        <a:ext cx="10004539" cy="497795"/>
+      </dsp:txXfrm>
+    </dsp:sp>
+    <dsp:sp modelId="{F5885EC8-03D2-40D8-8B61-F0DB71D652F0}">
+      <dsp:nvSpPr>
+        <dsp:cNvPr id="0" name=""/>
+        <dsp:cNvSpPr/>
+      </dsp:nvSpPr>
+      <dsp:spPr>
+        <a:xfrm>
+          <a:off x="0" y="3467407"/>
+          <a:ext cx="10058399" cy="380880"/>
+        </a:xfrm>
+        <a:prstGeom prst="rect">
+          <a:avLst/>
+        </a:prstGeom>
+        <a:noFill/>
+        <a:ln>
+          <a:noFill/>
+        </a:ln>
+        <a:effectLst/>
+      </dsp:spPr>
+      <dsp:style>
+        <a:lnRef idx="0">
+          <a:scrgbClr r="0" g="0" b="0"/>
+        </a:lnRef>
+        <a:fillRef idx="0">
+          <a:scrgbClr r="0" g="0" b="0"/>
+        </a:fillRef>
+        <a:effectRef idx="0">
+          <a:scrgbClr r="0" g="0" b="0"/>
+        </a:effectRef>
+        <a:fontRef idx="minor"/>
+      </dsp:style>
+      <dsp:txBody>
+        <a:bodyPr spcFirstLastPara="0" vert="horz" wrap="square" lIns="319354" tIns="29210" rIns="163576" bIns="29210" numCol="1" spcCol="1270" anchor="t" anchorCtr="0">
+          <a:noAutofit/>
+        </a:bodyPr>
+        <a:lstStyle/>
+        <a:p>
+          <a:pPr marL="171450" lvl="1" indent="-171450" algn="l" defTabSz="800100">
+            <a:lnSpc>
+              <a:spcPct val="90000"/>
+            </a:lnSpc>
+            <a:spcBef>
+              <a:spcPct val="0"/>
+            </a:spcBef>
+            <a:spcAft>
+              <a:spcPct val="20000"/>
+            </a:spcAft>
+            <a:buChar char="•"/>
+          </a:pPr>
+          <a:r>
+            <a:rPr lang="fr-FR" sz="1800" b="0" kern="1200" dirty="0" err="1"/>
+            <a:t>app.UseCors</a:t>
+          </a:r>
+          <a:r>
+            <a:rPr lang="fr-FR" sz="1800" b="0" kern="1200" dirty="0"/>
+            <a:t>("</a:t>
+          </a:r>
+          <a:r>
+            <a:rPr lang="fr-FR" sz="1800" b="0" kern="1200" dirty="0" err="1"/>
+            <a:t>corsPolicy</a:t>
+          </a:r>
+          <a:r>
+            <a:rPr lang="fr-FR" sz="1800" b="0" kern="1200" dirty="0"/>
+            <a:t>");</a:t>
+          </a:r>
+        </a:p>
+      </dsp:txBody>
+      <dsp:txXfrm>
+        <a:off x="0" y="3467407"/>
+        <a:ext cx="10058399" cy="380880"/>
       </dsp:txXfrm>
     </dsp:sp>
   </dsp:spTree>
@@ -21970,6 +23879,173 @@
 </file>
 
 <file path=ppt/diagrams/layout13.xml><?xml version="1.0" encoding="utf-8"?>
+<dgm:layoutDef xmlns:dgm="http://schemas.openxmlformats.org/drawingml/2006/diagram" xmlns:a="http://schemas.openxmlformats.org/drawingml/2006/main" uniqueId="urn:microsoft.com/office/officeart/2005/8/layout/vList2">
+  <dgm:title val=""/>
+  <dgm:desc val=""/>
+  <dgm:catLst>
+    <dgm:cat type="list" pri="3000"/>
+    <dgm:cat type="convert" pri="1000"/>
+  </dgm:catLst>
+  <dgm:sampData>
+    <dgm:dataModel>
+      <dgm:ptLst>
+        <dgm:pt modelId="0" type="doc"/>
+        <dgm:pt modelId="1">
+          <dgm:prSet phldr="1"/>
+        </dgm:pt>
+        <dgm:pt modelId="11">
+          <dgm:prSet phldr="1"/>
+        </dgm:pt>
+        <dgm:pt modelId="2">
+          <dgm:prSet phldr="1"/>
+        </dgm:pt>
+        <dgm:pt modelId="21">
+          <dgm:prSet phldr="1"/>
+        </dgm:pt>
+      </dgm:ptLst>
+      <dgm:cxnLst>
+        <dgm:cxn modelId="4" srcId="0" destId="1" srcOrd="0" destOrd="0"/>
+        <dgm:cxn modelId="5" srcId="0" destId="2" srcOrd="1" destOrd="0"/>
+        <dgm:cxn modelId="12" srcId="1" destId="11" srcOrd="0" destOrd="0"/>
+        <dgm:cxn modelId="23" srcId="2" destId="21" srcOrd="0" destOrd="0"/>
+      </dgm:cxnLst>
+      <dgm:bg/>
+      <dgm:whole/>
+    </dgm:dataModel>
+  </dgm:sampData>
+  <dgm:styleData>
+    <dgm:dataModel>
+      <dgm:ptLst>
+        <dgm:pt modelId="0" type="doc"/>
+        <dgm:pt modelId="1"/>
+        <dgm:pt modelId="2"/>
+      </dgm:ptLst>
+      <dgm:cxnLst>
+        <dgm:cxn modelId="3" srcId="0" destId="1" srcOrd="0" destOrd="0"/>
+        <dgm:cxn modelId="4" srcId="0" destId="2" srcOrd="1" destOrd="0"/>
+      </dgm:cxnLst>
+      <dgm:bg/>
+      <dgm:whole/>
+    </dgm:dataModel>
+  </dgm:styleData>
+  <dgm:clrData>
+    <dgm:dataModel>
+      <dgm:ptLst>
+        <dgm:pt modelId="0" type="doc"/>
+        <dgm:pt modelId="1"/>
+        <dgm:pt modelId="2"/>
+        <dgm:pt modelId="3"/>
+        <dgm:pt modelId="4"/>
+      </dgm:ptLst>
+      <dgm:cxnLst>
+        <dgm:cxn modelId="5" srcId="0" destId="1" srcOrd="0" destOrd="0"/>
+        <dgm:cxn modelId="6" srcId="0" destId="2" srcOrd="1" destOrd="0"/>
+        <dgm:cxn modelId="7" srcId="0" destId="3" srcOrd="2" destOrd="0"/>
+        <dgm:cxn modelId="8" srcId="0" destId="4" srcOrd="3" destOrd="0"/>
+      </dgm:cxnLst>
+      <dgm:bg/>
+      <dgm:whole/>
+    </dgm:dataModel>
+  </dgm:clrData>
+  <dgm:layoutNode name="linear">
+    <dgm:varLst>
+      <dgm:animLvl val="lvl"/>
+      <dgm:resizeHandles val="exact"/>
+    </dgm:varLst>
+    <dgm:alg type="lin">
+      <dgm:param type="linDir" val="fromT"/>
+      <dgm:param type="vertAlign" val="mid"/>
+    </dgm:alg>
+    <dgm:shape xmlns:r="http://schemas.openxmlformats.org/officeDocument/2006/relationships" r:blip="">
+      <dgm:adjLst/>
+    </dgm:shape>
+    <dgm:presOf/>
+    <dgm:constrLst>
+      <dgm:constr type="w" for="ch" forName="parentText" refType="w"/>
+      <dgm:constr type="h" for="ch" forName="parentText" refType="primFontSz" refFor="ch" refForName="parentText" fact="0.52"/>
+      <dgm:constr type="w" for="ch" forName="childText" refType="w"/>
+      <dgm:constr type="h" for="ch" forName="childText" refType="primFontSz" refFor="ch" refForName="parentText" fact="0.46"/>
+      <dgm:constr type="h" for="ch" forName="parentText" op="equ"/>
+      <dgm:constr type="primFontSz" for="ch" forName="parentText" op="equ" val="65"/>
+      <dgm:constr type="primFontSz" for="ch" forName="childText" refType="primFontSz" refFor="ch" refForName="parentText" op="equ"/>
+      <dgm:constr type="h" for="ch" forName="spacer" refType="primFontSz" refFor="ch" refForName="parentText" fact="0.08"/>
+    </dgm:constrLst>
+    <dgm:ruleLst>
+      <dgm:rule type="primFontSz" for="ch" forName="parentText" val="5" fact="NaN" max="NaN"/>
+    </dgm:ruleLst>
+    <dgm:forEach name="Name0" axis="ch" ptType="node">
+      <dgm:layoutNode name="parentText" styleLbl="node1">
+        <dgm:varLst>
+          <dgm:chMax val="0"/>
+          <dgm:bulletEnabled val="1"/>
+        </dgm:varLst>
+        <dgm:alg type="tx">
+          <dgm:param type="parTxLTRAlign" val="l"/>
+          <dgm:param type="parTxRTLAlign" val="r"/>
+        </dgm:alg>
+        <dgm:shape xmlns:r="http://schemas.openxmlformats.org/officeDocument/2006/relationships" type="roundRect" r:blip="">
+          <dgm:adjLst/>
+        </dgm:shape>
+        <dgm:presOf axis="self"/>
+        <dgm:constrLst>
+          <dgm:constr type="tMarg" refType="primFontSz" fact="0.3"/>
+          <dgm:constr type="bMarg" refType="primFontSz" fact="0.3"/>
+          <dgm:constr type="lMarg" refType="primFontSz" fact="0.3"/>
+          <dgm:constr type="rMarg" refType="primFontSz" fact="0.3"/>
+        </dgm:constrLst>
+        <dgm:ruleLst>
+          <dgm:rule type="h" val="INF" fact="NaN" max="NaN"/>
+        </dgm:ruleLst>
+      </dgm:layoutNode>
+      <dgm:choose name="Name1">
+        <dgm:if name="Name2" axis="ch" ptType="node" func="cnt" op="gte" val="1">
+          <dgm:layoutNode name="childText" styleLbl="revTx">
+            <dgm:varLst>
+              <dgm:bulletEnabled val="1"/>
+            </dgm:varLst>
+            <dgm:alg type="tx">
+              <dgm:param type="stBulletLvl" val="1"/>
+              <dgm:param type="lnSpAfChP" val="20"/>
+            </dgm:alg>
+            <dgm:shape xmlns:r="http://schemas.openxmlformats.org/officeDocument/2006/relationships" type="rect" r:blip="">
+              <dgm:adjLst/>
+            </dgm:shape>
+            <dgm:presOf axis="des" ptType="node"/>
+            <dgm:constrLst>
+              <dgm:constr type="tMarg" refType="primFontSz" fact="0.1"/>
+              <dgm:constr type="bMarg" refType="primFontSz" fact="0.1"/>
+              <dgm:constr type="lMarg" refType="w" fact="0.09"/>
+            </dgm:constrLst>
+            <dgm:ruleLst>
+              <dgm:rule type="h" val="INF" fact="NaN" max="NaN"/>
+            </dgm:ruleLst>
+          </dgm:layoutNode>
+        </dgm:if>
+        <dgm:else name="Name3">
+          <dgm:choose name="Name4">
+            <dgm:if name="Name5" axis="par ch" ptType="doc node" func="cnt" op="gte" val="2">
+              <dgm:forEach name="Name6" axis="followSib" ptType="sibTrans" cnt="1">
+                <dgm:layoutNode name="spacer">
+                  <dgm:alg type="sp"/>
+                  <dgm:shape xmlns:r="http://schemas.openxmlformats.org/officeDocument/2006/relationships" r:blip="">
+                    <dgm:adjLst/>
+                  </dgm:shape>
+                  <dgm:presOf/>
+                  <dgm:constrLst/>
+                  <dgm:ruleLst/>
+                </dgm:layoutNode>
+              </dgm:forEach>
+            </dgm:if>
+            <dgm:else name="Name7"/>
+          </dgm:choose>
+        </dgm:else>
+      </dgm:choose>
+    </dgm:forEach>
+  </dgm:layoutNode>
+</dgm:layoutDef>
+</file>
+
+<file path=ppt/diagrams/layout14.xml><?xml version="1.0" encoding="utf-8"?>
 <dgm:layoutDef xmlns:dgm="http://schemas.openxmlformats.org/drawingml/2006/diagram" xmlns:a="http://schemas.openxmlformats.org/drawingml/2006/main" uniqueId="urn:microsoft.com/office/officeart/2005/8/layout/vList2">
   <dgm:title val=""/>
   <dgm:desc val=""/>
@@ -28679,6 +30755,1040 @@
 </dgm:styleDef>
 </file>
 
+<file path=ppt/diagrams/quickStyle14.xml><?xml version="1.0" encoding="utf-8"?>
+<dgm:styleDef xmlns:dgm="http://schemas.openxmlformats.org/drawingml/2006/diagram" xmlns:a="http://schemas.openxmlformats.org/drawingml/2006/main" uniqueId="urn:microsoft.com/office/officeart/2005/8/quickstyle/simple1">
+  <dgm:title val=""/>
+  <dgm:desc val=""/>
+  <dgm:catLst>
+    <dgm:cat type="simple" pri="10100"/>
+  </dgm:catLst>
+  <dgm:scene3d>
+    <a:camera prst="orthographicFront"/>
+    <a:lightRig rig="threePt" dir="t"/>
+  </dgm:scene3d>
+  <dgm:styleLbl name="node0">
+    <dgm:scene3d>
+      <a:camera prst="orthographicFront"/>
+      <a:lightRig rig="threePt" dir="t"/>
+    </dgm:scene3d>
+    <dgm:sp3d/>
+    <dgm:txPr/>
+    <dgm:style>
+      <a:lnRef idx="2">
+        <a:scrgbClr r="0" g="0" b="0"/>
+      </a:lnRef>
+      <a:fillRef idx="1">
+        <a:scrgbClr r="0" g="0" b="0"/>
+      </a:fillRef>
+      <a:effectRef idx="0">
+        <a:scrgbClr r="0" g="0" b="0"/>
+      </a:effectRef>
+      <a:fontRef idx="minor">
+        <a:schemeClr val="lt1"/>
+      </a:fontRef>
+    </dgm:style>
+  </dgm:styleLbl>
+  <dgm:styleLbl name="lnNode1">
+    <dgm:scene3d>
+      <a:camera prst="orthographicFront"/>
+      <a:lightRig rig="threePt" dir="t"/>
+    </dgm:scene3d>
+    <dgm:sp3d/>
+    <dgm:txPr/>
+    <dgm:style>
+      <a:lnRef idx="2">
+        <a:scrgbClr r="0" g="0" b="0"/>
+      </a:lnRef>
+      <a:fillRef idx="1">
+        <a:scrgbClr r="0" g="0" b="0"/>
+      </a:fillRef>
+      <a:effectRef idx="0">
+        <a:scrgbClr r="0" g="0" b="0"/>
+      </a:effectRef>
+      <a:fontRef idx="minor">
+        <a:schemeClr val="lt1"/>
+      </a:fontRef>
+    </dgm:style>
+  </dgm:styleLbl>
+  <dgm:styleLbl name="vennNode1">
+    <dgm:scene3d>
+      <a:camera prst="orthographicFront"/>
+      <a:lightRig rig="threePt" dir="t"/>
+    </dgm:scene3d>
+    <dgm:sp3d/>
+    <dgm:txPr/>
+    <dgm:style>
+      <a:lnRef idx="2">
+        <a:scrgbClr r="0" g="0" b="0"/>
+      </a:lnRef>
+      <a:fillRef idx="1">
+        <a:scrgbClr r="0" g="0" b="0"/>
+      </a:fillRef>
+      <a:effectRef idx="0">
+        <a:scrgbClr r="0" g="0" b="0"/>
+      </a:effectRef>
+      <a:fontRef idx="minor">
+        <a:schemeClr val="tx1"/>
+      </a:fontRef>
+    </dgm:style>
+  </dgm:styleLbl>
+  <dgm:styleLbl name="alignNode1">
+    <dgm:scene3d>
+      <a:camera prst="orthographicFront"/>
+      <a:lightRig rig="threePt" dir="t"/>
+    </dgm:scene3d>
+    <dgm:sp3d/>
+    <dgm:txPr/>
+    <dgm:style>
+      <a:lnRef idx="2">
+        <a:scrgbClr r="0" g="0" b="0"/>
+      </a:lnRef>
+      <a:fillRef idx="1">
+        <a:scrgbClr r="0" g="0" b="0"/>
+      </a:fillRef>
+      <a:effectRef idx="0">
+        <a:scrgbClr r="0" g="0" b="0"/>
+      </a:effectRef>
+      <a:fontRef idx="minor">
+        <a:schemeClr val="lt1"/>
+      </a:fontRef>
+    </dgm:style>
+  </dgm:styleLbl>
+  <dgm:styleLbl name="node1">
+    <dgm:scene3d>
+      <a:camera prst="orthographicFront"/>
+      <a:lightRig rig="threePt" dir="t"/>
+    </dgm:scene3d>
+    <dgm:sp3d/>
+    <dgm:txPr/>
+    <dgm:style>
+      <a:lnRef idx="2">
+        <a:scrgbClr r="0" g="0" b="0"/>
+      </a:lnRef>
+      <a:fillRef idx="1">
+        <a:scrgbClr r="0" g="0" b="0"/>
+      </a:fillRef>
+      <a:effectRef idx="0">
+        <a:scrgbClr r="0" g="0" b="0"/>
+      </a:effectRef>
+      <a:fontRef idx="minor">
+        <a:schemeClr val="lt1"/>
+      </a:fontRef>
+    </dgm:style>
+  </dgm:styleLbl>
+  <dgm:styleLbl name="node2">
+    <dgm:scene3d>
+      <a:camera prst="orthographicFront"/>
+      <a:lightRig rig="threePt" dir="t"/>
+    </dgm:scene3d>
+    <dgm:sp3d/>
+    <dgm:txPr/>
+    <dgm:style>
+      <a:lnRef idx="2">
+        <a:scrgbClr r="0" g="0" b="0"/>
+      </a:lnRef>
+      <a:fillRef idx="1">
+        <a:scrgbClr r="0" g="0" b="0"/>
+      </a:fillRef>
+      <a:effectRef idx="0">
+        <a:scrgbClr r="0" g="0" b="0"/>
+      </a:effectRef>
+      <a:fontRef idx="minor">
+        <a:schemeClr val="lt1"/>
+      </a:fontRef>
+    </dgm:style>
+  </dgm:styleLbl>
+  <dgm:styleLbl name="node3">
+    <dgm:scene3d>
+      <a:camera prst="orthographicFront"/>
+      <a:lightRig rig="threePt" dir="t"/>
+    </dgm:scene3d>
+    <dgm:sp3d/>
+    <dgm:txPr/>
+    <dgm:style>
+      <a:lnRef idx="2">
+        <a:scrgbClr r="0" g="0" b="0"/>
+      </a:lnRef>
+      <a:fillRef idx="1">
+        <a:scrgbClr r="0" g="0" b="0"/>
+      </a:fillRef>
+      <a:effectRef idx="0">
+        <a:scrgbClr r="0" g="0" b="0"/>
+      </a:effectRef>
+      <a:fontRef idx="minor">
+        <a:schemeClr val="lt1"/>
+      </a:fontRef>
+    </dgm:style>
+  </dgm:styleLbl>
+  <dgm:styleLbl name="node4">
+    <dgm:scene3d>
+      <a:camera prst="orthographicFront"/>
+      <a:lightRig rig="threePt" dir="t"/>
+    </dgm:scene3d>
+    <dgm:sp3d/>
+    <dgm:txPr/>
+    <dgm:style>
+      <a:lnRef idx="2">
+        <a:scrgbClr r="0" g="0" b="0"/>
+      </a:lnRef>
+      <a:fillRef idx="1">
+        <a:scrgbClr r="0" g="0" b="0"/>
+      </a:fillRef>
+      <a:effectRef idx="0">
+        <a:scrgbClr r="0" g="0" b="0"/>
+      </a:effectRef>
+      <a:fontRef idx="minor">
+        <a:schemeClr val="lt1"/>
+      </a:fontRef>
+    </dgm:style>
+  </dgm:styleLbl>
+  <dgm:styleLbl name="fgImgPlace1">
+    <dgm:scene3d>
+      <a:camera prst="orthographicFront"/>
+      <a:lightRig rig="threePt" dir="t"/>
+    </dgm:scene3d>
+    <dgm:sp3d/>
+    <dgm:txPr/>
+    <dgm:style>
+      <a:lnRef idx="2">
+        <a:scrgbClr r="0" g="0" b="0"/>
+      </a:lnRef>
+      <a:fillRef idx="1">
+        <a:scrgbClr r="0" g="0" b="0"/>
+      </a:fillRef>
+      <a:effectRef idx="0">
+        <a:scrgbClr r="0" g="0" b="0"/>
+      </a:effectRef>
+      <a:fontRef idx="minor"/>
+    </dgm:style>
+  </dgm:styleLbl>
+  <dgm:styleLbl name="alignImgPlace1">
+    <dgm:scene3d>
+      <a:camera prst="orthographicFront"/>
+      <a:lightRig rig="threePt" dir="t"/>
+    </dgm:scene3d>
+    <dgm:sp3d/>
+    <dgm:txPr/>
+    <dgm:style>
+      <a:lnRef idx="2">
+        <a:scrgbClr r="0" g="0" b="0"/>
+      </a:lnRef>
+      <a:fillRef idx="1">
+        <a:scrgbClr r="0" g="0" b="0"/>
+      </a:fillRef>
+      <a:effectRef idx="0">
+        <a:scrgbClr r="0" g="0" b="0"/>
+      </a:effectRef>
+      <a:fontRef idx="minor"/>
+    </dgm:style>
+  </dgm:styleLbl>
+  <dgm:styleLbl name="bgImgPlace1">
+    <dgm:scene3d>
+      <a:camera prst="orthographicFront"/>
+      <a:lightRig rig="threePt" dir="t"/>
+    </dgm:scene3d>
+    <dgm:sp3d/>
+    <dgm:txPr/>
+    <dgm:style>
+      <a:lnRef idx="2">
+        <a:scrgbClr r="0" g="0" b="0"/>
+      </a:lnRef>
+      <a:fillRef idx="1">
+        <a:scrgbClr r="0" g="0" b="0"/>
+      </a:fillRef>
+      <a:effectRef idx="0">
+        <a:scrgbClr r="0" g="0" b="0"/>
+      </a:effectRef>
+      <a:fontRef idx="minor"/>
+    </dgm:style>
+  </dgm:styleLbl>
+  <dgm:styleLbl name="sibTrans2D1">
+    <dgm:scene3d>
+      <a:camera prst="orthographicFront"/>
+      <a:lightRig rig="threePt" dir="t"/>
+    </dgm:scene3d>
+    <dgm:sp3d/>
+    <dgm:txPr/>
+    <dgm:style>
+      <a:lnRef idx="0">
+        <a:scrgbClr r="0" g="0" b="0"/>
+      </a:lnRef>
+      <a:fillRef idx="1">
+        <a:scrgbClr r="0" g="0" b="0"/>
+      </a:fillRef>
+      <a:effectRef idx="0">
+        <a:scrgbClr r="0" g="0" b="0"/>
+      </a:effectRef>
+      <a:fontRef idx="minor">
+        <a:schemeClr val="lt1"/>
+      </a:fontRef>
+    </dgm:style>
+  </dgm:styleLbl>
+  <dgm:styleLbl name="fgSibTrans2D1">
+    <dgm:scene3d>
+      <a:camera prst="orthographicFront"/>
+      <a:lightRig rig="threePt" dir="t"/>
+    </dgm:scene3d>
+    <dgm:sp3d/>
+    <dgm:txPr/>
+    <dgm:style>
+      <a:lnRef idx="0">
+        <a:scrgbClr r="0" g="0" b="0"/>
+      </a:lnRef>
+      <a:fillRef idx="1">
+        <a:scrgbClr r="0" g="0" b="0"/>
+      </a:fillRef>
+      <a:effectRef idx="0">
+        <a:scrgbClr r="0" g="0" b="0"/>
+      </a:effectRef>
+      <a:fontRef idx="minor">
+        <a:schemeClr val="lt1"/>
+      </a:fontRef>
+    </dgm:style>
+  </dgm:styleLbl>
+  <dgm:styleLbl name="bgSibTrans2D1">
+    <dgm:scene3d>
+      <a:camera prst="orthographicFront"/>
+      <a:lightRig rig="threePt" dir="t"/>
+    </dgm:scene3d>
+    <dgm:sp3d/>
+    <dgm:txPr/>
+    <dgm:style>
+      <a:lnRef idx="0">
+        <a:scrgbClr r="0" g="0" b="0"/>
+      </a:lnRef>
+      <a:fillRef idx="1">
+        <a:scrgbClr r="0" g="0" b="0"/>
+      </a:fillRef>
+      <a:effectRef idx="0">
+        <a:scrgbClr r="0" g="0" b="0"/>
+      </a:effectRef>
+      <a:fontRef idx="minor">
+        <a:schemeClr val="lt1"/>
+      </a:fontRef>
+    </dgm:style>
+  </dgm:styleLbl>
+  <dgm:styleLbl name="sibTrans1D1">
+    <dgm:scene3d>
+      <a:camera prst="orthographicFront"/>
+      <a:lightRig rig="threePt" dir="t"/>
+    </dgm:scene3d>
+    <dgm:sp3d/>
+    <dgm:txPr/>
+    <dgm:style>
+      <a:lnRef idx="1">
+        <a:scrgbClr r="0" g="0" b="0"/>
+      </a:lnRef>
+      <a:fillRef idx="0">
+        <a:scrgbClr r="0" g="0" b="0"/>
+      </a:fillRef>
+      <a:effectRef idx="0">
+        <a:scrgbClr r="0" g="0" b="0"/>
+      </a:effectRef>
+      <a:fontRef idx="minor"/>
+    </dgm:style>
+  </dgm:styleLbl>
+  <dgm:styleLbl name="callout">
+    <dgm:scene3d>
+      <a:camera prst="orthographicFront"/>
+      <a:lightRig rig="threePt" dir="t"/>
+    </dgm:scene3d>
+    <dgm:sp3d/>
+    <dgm:txPr/>
+    <dgm:style>
+      <a:lnRef idx="2">
+        <a:scrgbClr r="0" g="0" b="0"/>
+      </a:lnRef>
+      <a:fillRef idx="1">
+        <a:scrgbClr r="0" g="0" b="0"/>
+      </a:fillRef>
+      <a:effectRef idx="0">
+        <a:scrgbClr r="0" g="0" b="0"/>
+      </a:effectRef>
+      <a:fontRef idx="minor"/>
+    </dgm:style>
+  </dgm:styleLbl>
+  <dgm:styleLbl name="asst0">
+    <dgm:scene3d>
+      <a:camera prst="orthographicFront"/>
+      <a:lightRig rig="threePt" dir="t"/>
+    </dgm:scene3d>
+    <dgm:sp3d/>
+    <dgm:txPr/>
+    <dgm:style>
+      <a:lnRef idx="2">
+        <a:scrgbClr r="0" g="0" b="0"/>
+      </a:lnRef>
+      <a:fillRef idx="1">
+        <a:scrgbClr r="0" g="0" b="0"/>
+      </a:fillRef>
+      <a:effectRef idx="0">
+        <a:scrgbClr r="0" g="0" b="0"/>
+      </a:effectRef>
+      <a:fontRef idx="minor">
+        <a:schemeClr val="lt1"/>
+      </a:fontRef>
+    </dgm:style>
+  </dgm:styleLbl>
+  <dgm:styleLbl name="asst1">
+    <dgm:scene3d>
+      <a:camera prst="orthographicFront"/>
+      <a:lightRig rig="threePt" dir="t"/>
+    </dgm:scene3d>
+    <dgm:sp3d/>
+    <dgm:txPr/>
+    <dgm:style>
+      <a:lnRef idx="2">
+        <a:scrgbClr r="0" g="0" b="0"/>
+      </a:lnRef>
+      <a:fillRef idx="1">
+        <a:scrgbClr r="0" g="0" b="0"/>
+      </a:fillRef>
+      <a:effectRef idx="0">
+        <a:scrgbClr r="0" g="0" b="0"/>
+      </a:effectRef>
+      <a:fontRef idx="minor">
+        <a:schemeClr val="lt1"/>
+      </a:fontRef>
+    </dgm:style>
+  </dgm:styleLbl>
+  <dgm:styleLbl name="asst2">
+    <dgm:scene3d>
+      <a:camera prst="orthographicFront"/>
+      <a:lightRig rig="threePt" dir="t"/>
+    </dgm:scene3d>
+    <dgm:sp3d/>
+    <dgm:txPr/>
+    <dgm:style>
+      <a:lnRef idx="2">
+        <a:scrgbClr r="0" g="0" b="0"/>
+      </a:lnRef>
+      <a:fillRef idx="1">
+        <a:scrgbClr r="0" g="0" b="0"/>
+      </a:fillRef>
+      <a:effectRef idx="0">
+        <a:scrgbClr r="0" g="0" b="0"/>
+      </a:effectRef>
+      <a:fontRef idx="minor">
+        <a:schemeClr val="lt1"/>
+      </a:fontRef>
+    </dgm:style>
+  </dgm:styleLbl>
+  <dgm:styleLbl name="asst3">
+    <dgm:scene3d>
+      <a:camera prst="orthographicFront"/>
+      <a:lightRig rig="threePt" dir="t"/>
+    </dgm:scene3d>
+    <dgm:sp3d/>
+    <dgm:txPr/>
+    <dgm:style>
+      <a:lnRef idx="2">
+        <a:scrgbClr r="0" g="0" b="0"/>
+      </a:lnRef>
+      <a:fillRef idx="1">
+        <a:scrgbClr r="0" g="0" b="0"/>
+      </a:fillRef>
+      <a:effectRef idx="0">
+        <a:scrgbClr r="0" g="0" b="0"/>
+      </a:effectRef>
+      <a:fontRef idx="minor">
+        <a:schemeClr val="lt1"/>
+      </a:fontRef>
+    </dgm:style>
+  </dgm:styleLbl>
+  <dgm:styleLbl name="asst4">
+    <dgm:scene3d>
+      <a:camera prst="orthographicFront"/>
+      <a:lightRig rig="threePt" dir="t"/>
+    </dgm:scene3d>
+    <dgm:sp3d/>
+    <dgm:txPr/>
+    <dgm:style>
+      <a:lnRef idx="2">
+        <a:scrgbClr r="0" g="0" b="0"/>
+      </a:lnRef>
+      <a:fillRef idx="1">
+        <a:scrgbClr r="0" g="0" b="0"/>
+      </a:fillRef>
+      <a:effectRef idx="0">
+        <a:scrgbClr r="0" g="0" b="0"/>
+      </a:effectRef>
+      <a:fontRef idx="minor">
+        <a:schemeClr val="lt1"/>
+      </a:fontRef>
+    </dgm:style>
+  </dgm:styleLbl>
+  <dgm:styleLbl name="parChTrans2D1">
+    <dgm:scene3d>
+      <a:camera prst="orthographicFront"/>
+      <a:lightRig rig="threePt" dir="t"/>
+    </dgm:scene3d>
+    <dgm:sp3d/>
+    <dgm:txPr/>
+    <dgm:style>
+      <a:lnRef idx="2">
+        <a:scrgbClr r="0" g="0" b="0"/>
+      </a:lnRef>
+      <a:fillRef idx="1">
+        <a:scrgbClr r="0" g="0" b="0"/>
+      </a:fillRef>
+      <a:effectRef idx="0">
+        <a:scrgbClr r="0" g="0" b="0"/>
+      </a:effectRef>
+      <a:fontRef idx="minor">
+        <a:schemeClr val="lt1"/>
+      </a:fontRef>
+    </dgm:style>
+  </dgm:styleLbl>
+  <dgm:styleLbl name="parChTrans2D2">
+    <dgm:scene3d>
+      <a:camera prst="orthographicFront"/>
+      <a:lightRig rig="threePt" dir="t"/>
+    </dgm:scene3d>
+    <dgm:sp3d/>
+    <dgm:txPr/>
+    <dgm:style>
+      <a:lnRef idx="2">
+        <a:scrgbClr r="0" g="0" b="0"/>
+      </a:lnRef>
+      <a:fillRef idx="1">
+        <a:scrgbClr r="0" g="0" b="0"/>
+      </a:fillRef>
+      <a:effectRef idx="0">
+        <a:scrgbClr r="0" g="0" b="0"/>
+      </a:effectRef>
+      <a:fontRef idx="minor">
+        <a:schemeClr val="lt1"/>
+      </a:fontRef>
+    </dgm:style>
+  </dgm:styleLbl>
+  <dgm:styleLbl name="parChTrans2D3">
+    <dgm:scene3d>
+      <a:camera prst="orthographicFront"/>
+      <a:lightRig rig="threePt" dir="t"/>
+    </dgm:scene3d>
+    <dgm:sp3d/>
+    <dgm:txPr/>
+    <dgm:style>
+      <a:lnRef idx="2">
+        <a:scrgbClr r="0" g="0" b="0"/>
+      </a:lnRef>
+      <a:fillRef idx="1">
+        <a:scrgbClr r="0" g="0" b="0"/>
+      </a:fillRef>
+      <a:effectRef idx="0">
+        <a:scrgbClr r="0" g="0" b="0"/>
+      </a:effectRef>
+      <a:fontRef idx="minor">
+        <a:schemeClr val="lt1"/>
+      </a:fontRef>
+    </dgm:style>
+  </dgm:styleLbl>
+  <dgm:styleLbl name="parChTrans2D4">
+    <dgm:scene3d>
+      <a:camera prst="orthographicFront"/>
+      <a:lightRig rig="threePt" dir="t"/>
+    </dgm:scene3d>
+    <dgm:sp3d/>
+    <dgm:txPr/>
+    <dgm:style>
+      <a:lnRef idx="2">
+        <a:scrgbClr r="0" g="0" b="0"/>
+      </a:lnRef>
+      <a:fillRef idx="1">
+        <a:scrgbClr r="0" g="0" b="0"/>
+      </a:fillRef>
+      <a:effectRef idx="0">
+        <a:scrgbClr r="0" g="0" b="0"/>
+      </a:effectRef>
+      <a:fontRef idx="minor">
+        <a:schemeClr val="lt1"/>
+      </a:fontRef>
+    </dgm:style>
+  </dgm:styleLbl>
+  <dgm:styleLbl name="parChTrans1D1">
+    <dgm:scene3d>
+      <a:camera prst="orthographicFront"/>
+      <a:lightRig rig="threePt" dir="t"/>
+    </dgm:scene3d>
+    <dgm:sp3d/>
+    <dgm:txPr/>
+    <dgm:style>
+      <a:lnRef idx="2">
+        <a:scrgbClr r="0" g="0" b="0"/>
+      </a:lnRef>
+      <a:fillRef idx="0">
+        <a:scrgbClr r="0" g="0" b="0"/>
+      </a:fillRef>
+      <a:effectRef idx="0">
+        <a:scrgbClr r="0" g="0" b="0"/>
+      </a:effectRef>
+      <a:fontRef idx="minor"/>
+    </dgm:style>
+  </dgm:styleLbl>
+  <dgm:styleLbl name="parChTrans1D2">
+    <dgm:scene3d>
+      <a:camera prst="orthographicFront"/>
+      <a:lightRig rig="threePt" dir="t"/>
+    </dgm:scene3d>
+    <dgm:sp3d/>
+    <dgm:txPr/>
+    <dgm:style>
+      <a:lnRef idx="2">
+        <a:scrgbClr r="0" g="0" b="0"/>
+      </a:lnRef>
+      <a:fillRef idx="0">
+        <a:scrgbClr r="0" g="0" b="0"/>
+      </a:fillRef>
+      <a:effectRef idx="0">
+        <a:scrgbClr r="0" g="0" b="0"/>
+      </a:effectRef>
+      <a:fontRef idx="minor"/>
+    </dgm:style>
+  </dgm:styleLbl>
+  <dgm:styleLbl name="parChTrans1D3">
+    <dgm:scene3d>
+      <a:camera prst="orthographicFront"/>
+      <a:lightRig rig="threePt" dir="t"/>
+    </dgm:scene3d>
+    <dgm:sp3d/>
+    <dgm:txPr/>
+    <dgm:style>
+      <a:lnRef idx="2">
+        <a:scrgbClr r="0" g="0" b="0"/>
+      </a:lnRef>
+      <a:fillRef idx="0">
+        <a:scrgbClr r="0" g="0" b="0"/>
+      </a:fillRef>
+      <a:effectRef idx="0">
+        <a:scrgbClr r="0" g="0" b="0"/>
+      </a:effectRef>
+      <a:fontRef idx="minor"/>
+    </dgm:style>
+  </dgm:styleLbl>
+  <dgm:styleLbl name="parChTrans1D4">
+    <dgm:scene3d>
+      <a:camera prst="orthographicFront"/>
+      <a:lightRig rig="threePt" dir="t"/>
+    </dgm:scene3d>
+    <dgm:sp3d/>
+    <dgm:txPr/>
+    <dgm:style>
+      <a:lnRef idx="2">
+        <a:scrgbClr r="0" g="0" b="0"/>
+      </a:lnRef>
+      <a:fillRef idx="0">
+        <a:scrgbClr r="0" g="0" b="0"/>
+      </a:fillRef>
+      <a:effectRef idx="0">
+        <a:scrgbClr r="0" g="0" b="0"/>
+      </a:effectRef>
+      <a:fontRef idx="minor"/>
+    </dgm:style>
+  </dgm:styleLbl>
+  <dgm:styleLbl name="fgAcc1">
+    <dgm:scene3d>
+      <a:camera prst="orthographicFront"/>
+      <a:lightRig rig="threePt" dir="t"/>
+    </dgm:scene3d>
+    <dgm:sp3d/>
+    <dgm:txPr/>
+    <dgm:style>
+      <a:lnRef idx="2">
+        <a:scrgbClr r="0" g="0" b="0"/>
+      </a:lnRef>
+      <a:fillRef idx="1">
+        <a:scrgbClr r="0" g="0" b="0"/>
+      </a:fillRef>
+      <a:effectRef idx="0">
+        <a:scrgbClr r="0" g="0" b="0"/>
+      </a:effectRef>
+      <a:fontRef idx="minor"/>
+    </dgm:style>
+  </dgm:styleLbl>
+  <dgm:styleLbl name="conFgAcc1">
+    <dgm:scene3d>
+      <a:camera prst="orthographicFront"/>
+      <a:lightRig rig="threePt" dir="t"/>
+    </dgm:scene3d>
+    <dgm:sp3d/>
+    <dgm:txPr/>
+    <dgm:style>
+      <a:lnRef idx="2">
+        <a:scrgbClr r="0" g="0" b="0"/>
+      </a:lnRef>
+      <a:fillRef idx="1">
+        <a:scrgbClr r="0" g="0" b="0"/>
+      </a:fillRef>
+      <a:effectRef idx="0">
+        <a:scrgbClr r="0" g="0" b="0"/>
+      </a:effectRef>
+      <a:fontRef idx="minor"/>
+    </dgm:style>
+  </dgm:styleLbl>
+  <dgm:styleLbl name="alignAcc1">
+    <dgm:scene3d>
+      <a:camera prst="orthographicFront"/>
+      <a:lightRig rig="threePt" dir="t"/>
+    </dgm:scene3d>
+    <dgm:sp3d/>
+    <dgm:txPr/>
+    <dgm:style>
+      <a:lnRef idx="2">
+        <a:scrgbClr r="0" g="0" b="0"/>
+      </a:lnRef>
+      <a:fillRef idx="1">
+        <a:scrgbClr r="0" g="0" b="0"/>
+      </a:fillRef>
+      <a:effectRef idx="0">
+        <a:scrgbClr r="0" g="0" b="0"/>
+      </a:effectRef>
+      <a:fontRef idx="minor"/>
+    </dgm:style>
+  </dgm:styleLbl>
+  <dgm:styleLbl name="trAlignAcc1">
+    <dgm:scene3d>
+      <a:camera prst="orthographicFront"/>
+      <a:lightRig rig="threePt" dir="t"/>
+    </dgm:scene3d>
+    <dgm:sp3d/>
+    <dgm:txPr/>
+    <dgm:style>
+      <a:lnRef idx="1">
+        <a:scrgbClr r="0" g="0" b="0"/>
+      </a:lnRef>
+      <a:fillRef idx="1">
+        <a:scrgbClr r="0" g="0" b="0"/>
+      </a:fillRef>
+      <a:effectRef idx="0">
+        <a:scrgbClr r="0" g="0" b="0"/>
+      </a:effectRef>
+      <a:fontRef idx="minor"/>
+    </dgm:style>
+  </dgm:styleLbl>
+  <dgm:styleLbl name="bgAcc1">
+    <dgm:scene3d>
+      <a:camera prst="orthographicFront"/>
+      <a:lightRig rig="threePt" dir="t"/>
+    </dgm:scene3d>
+    <dgm:sp3d/>
+    <dgm:txPr/>
+    <dgm:style>
+      <a:lnRef idx="2">
+        <a:scrgbClr r="0" g="0" b="0"/>
+      </a:lnRef>
+      <a:fillRef idx="1">
+        <a:scrgbClr r="0" g="0" b="0"/>
+      </a:fillRef>
+      <a:effectRef idx="0">
+        <a:scrgbClr r="0" g="0" b="0"/>
+      </a:effectRef>
+      <a:fontRef idx="minor"/>
+    </dgm:style>
+  </dgm:styleLbl>
+  <dgm:styleLbl name="solidFgAcc1">
+    <dgm:scene3d>
+      <a:camera prst="orthographicFront"/>
+      <a:lightRig rig="threePt" dir="t"/>
+    </dgm:scene3d>
+    <dgm:sp3d/>
+    <dgm:txPr/>
+    <dgm:style>
+      <a:lnRef idx="2">
+        <a:scrgbClr r="0" g="0" b="0"/>
+      </a:lnRef>
+      <a:fillRef idx="1">
+        <a:scrgbClr r="0" g="0" b="0"/>
+      </a:fillRef>
+      <a:effectRef idx="0">
+        <a:scrgbClr r="0" g="0" b="0"/>
+      </a:effectRef>
+      <a:fontRef idx="minor"/>
+    </dgm:style>
+  </dgm:styleLbl>
+  <dgm:styleLbl name="solidAlignAcc1">
+    <dgm:scene3d>
+      <a:camera prst="orthographicFront"/>
+      <a:lightRig rig="threePt" dir="t"/>
+    </dgm:scene3d>
+    <dgm:sp3d/>
+    <dgm:txPr/>
+    <dgm:style>
+      <a:lnRef idx="2">
+        <a:scrgbClr r="0" g="0" b="0"/>
+      </a:lnRef>
+      <a:fillRef idx="1">
+        <a:scrgbClr r="0" g="0" b="0"/>
+      </a:fillRef>
+      <a:effectRef idx="0">
+        <a:scrgbClr r="0" g="0" b="0"/>
+      </a:effectRef>
+      <a:fontRef idx="minor"/>
+    </dgm:style>
+  </dgm:styleLbl>
+  <dgm:styleLbl name="solidBgAcc1">
+    <dgm:scene3d>
+      <a:camera prst="orthographicFront"/>
+      <a:lightRig rig="threePt" dir="t"/>
+    </dgm:scene3d>
+    <dgm:sp3d/>
+    <dgm:txPr/>
+    <dgm:style>
+      <a:lnRef idx="2">
+        <a:scrgbClr r="0" g="0" b="0"/>
+      </a:lnRef>
+      <a:fillRef idx="1">
+        <a:scrgbClr r="0" g="0" b="0"/>
+      </a:fillRef>
+      <a:effectRef idx="0">
+        <a:scrgbClr r="0" g="0" b="0"/>
+      </a:effectRef>
+      <a:fontRef idx="minor"/>
+    </dgm:style>
+  </dgm:styleLbl>
+  <dgm:styleLbl name="fgAccFollowNode1">
+    <dgm:scene3d>
+      <a:camera prst="orthographicFront"/>
+      <a:lightRig rig="threePt" dir="t"/>
+    </dgm:scene3d>
+    <dgm:sp3d/>
+    <dgm:txPr/>
+    <dgm:style>
+      <a:lnRef idx="2">
+        <a:scrgbClr r="0" g="0" b="0"/>
+      </a:lnRef>
+      <a:fillRef idx="1">
+        <a:scrgbClr r="0" g="0" b="0"/>
+      </a:fillRef>
+      <a:effectRef idx="0">
+        <a:scrgbClr r="0" g="0" b="0"/>
+      </a:effectRef>
+      <a:fontRef idx="minor"/>
+    </dgm:style>
+  </dgm:styleLbl>
+  <dgm:styleLbl name="alignAccFollowNode1">
+    <dgm:scene3d>
+      <a:camera prst="orthographicFront"/>
+      <a:lightRig rig="threePt" dir="t"/>
+    </dgm:scene3d>
+    <dgm:sp3d/>
+    <dgm:txPr/>
+    <dgm:style>
+      <a:lnRef idx="2">
+        <a:scrgbClr r="0" g="0" b="0"/>
+      </a:lnRef>
+      <a:fillRef idx="1">
+        <a:scrgbClr r="0" g="0" b="0"/>
+      </a:fillRef>
+      <a:effectRef idx="0">
+        <a:scrgbClr r="0" g="0" b="0"/>
+      </a:effectRef>
+      <a:fontRef idx="minor"/>
+    </dgm:style>
+  </dgm:styleLbl>
+  <dgm:styleLbl name="bgAccFollowNode1">
+    <dgm:scene3d>
+      <a:camera prst="orthographicFront"/>
+      <a:lightRig rig="threePt" dir="t"/>
+    </dgm:scene3d>
+    <dgm:sp3d/>
+    <dgm:txPr/>
+    <dgm:style>
+      <a:lnRef idx="2">
+        <a:scrgbClr r="0" g="0" b="0"/>
+      </a:lnRef>
+      <a:fillRef idx="1">
+        <a:scrgbClr r="0" g="0" b="0"/>
+      </a:fillRef>
+      <a:effectRef idx="0">
+        <a:scrgbClr r="0" g="0" b="0"/>
+      </a:effectRef>
+      <a:fontRef idx="minor"/>
+    </dgm:style>
+  </dgm:styleLbl>
+  <dgm:styleLbl name="fgAcc0">
+    <dgm:scene3d>
+      <a:camera prst="orthographicFront"/>
+      <a:lightRig rig="threePt" dir="t"/>
+    </dgm:scene3d>
+    <dgm:sp3d/>
+    <dgm:txPr/>
+    <dgm:style>
+      <a:lnRef idx="2">
+        <a:scrgbClr r="0" g="0" b="0"/>
+      </a:lnRef>
+      <a:fillRef idx="1">
+        <a:scrgbClr r="0" g="0" b="0"/>
+      </a:fillRef>
+      <a:effectRef idx="0">
+        <a:scrgbClr r="0" g="0" b="0"/>
+      </a:effectRef>
+      <a:fontRef idx="minor"/>
+    </dgm:style>
+  </dgm:styleLbl>
+  <dgm:styleLbl name="fgAcc2">
+    <dgm:scene3d>
+      <a:camera prst="orthographicFront"/>
+      <a:lightRig rig="threePt" dir="t"/>
+    </dgm:scene3d>
+    <dgm:sp3d/>
+    <dgm:txPr/>
+    <dgm:style>
+      <a:lnRef idx="2">
+        <a:scrgbClr r="0" g="0" b="0"/>
+      </a:lnRef>
+      <a:fillRef idx="1">
+        <a:scrgbClr r="0" g="0" b="0"/>
+      </a:fillRef>
+      <a:effectRef idx="0">
+        <a:scrgbClr r="0" g="0" b="0"/>
+      </a:effectRef>
+      <a:fontRef idx="minor"/>
+    </dgm:style>
+  </dgm:styleLbl>
+  <dgm:styleLbl name="fgAcc3">
+    <dgm:scene3d>
+      <a:camera prst="orthographicFront"/>
+      <a:lightRig rig="threePt" dir="t"/>
+    </dgm:scene3d>
+    <dgm:sp3d/>
+    <dgm:txPr/>
+    <dgm:style>
+      <a:lnRef idx="2">
+        <a:scrgbClr r="0" g="0" b="0"/>
+      </a:lnRef>
+      <a:fillRef idx="1">
+        <a:scrgbClr r="0" g="0" b="0"/>
+      </a:fillRef>
+      <a:effectRef idx="0">
+        <a:scrgbClr r="0" g="0" b="0"/>
+      </a:effectRef>
+      <a:fontRef idx="minor"/>
+    </dgm:style>
+  </dgm:styleLbl>
+  <dgm:styleLbl name="fgAcc4">
+    <dgm:scene3d>
+      <a:camera prst="orthographicFront"/>
+      <a:lightRig rig="threePt" dir="t"/>
+    </dgm:scene3d>
+    <dgm:sp3d/>
+    <dgm:txPr/>
+    <dgm:style>
+      <a:lnRef idx="2">
+        <a:scrgbClr r="0" g="0" b="0"/>
+      </a:lnRef>
+      <a:fillRef idx="1">
+        <a:scrgbClr r="0" g="0" b="0"/>
+      </a:fillRef>
+      <a:effectRef idx="0">
+        <a:scrgbClr r="0" g="0" b="0"/>
+      </a:effectRef>
+      <a:fontRef idx="minor"/>
+    </dgm:style>
+  </dgm:styleLbl>
+  <dgm:styleLbl name="bgShp">
+    <dgm:scene3d>
+      <a:camera prst="orthographicFront"/>
+      <a:lightRig rig="threePt" dir="t"/>
+    </dgm:scene3d>
+    <dgm:sp3d/>
+    <dgm:txPr/>
+    <dgm:style>
+      <a:lnRef idx="0">
+        <a:scrgbClr r="0" g="0" b="0"/>
+      </a:lnRef>
+      <a:fillRef idx="1">
+        <a:scrgbClr r="0" g="0" b="0"/>
+      </a:fillRef>
+      <a:effectRef idx="0">
+        <a:scrgbClr r="0" g="0" b="0"/>
+      </a:effectRef>
+      <a:fontRef idx="minor"/>
+    </dgm:style>
+  </dgm:styleLbl>
+  <dgm:styleLbl name="dkBgShp">
+    <dgm:scene3d>
+      <a:camera prst="orthographicFront"/>
+      <a:lightRig rig="threePt" dir="t"/>
+    </dgm:scene3d>
+    <dgm:sp3d/>
+    <dgm:txPr/>
+    <dgm:style>
+      <a:lnRef idx="0">
+        <a:scrgbClr r="0" g="0" b="0"/>
+      </a:lnRef>
+      <a:fillRef idx="1">
+        <a:scrgbClr r="0" g="0" b="0"/>
+      </a:fillRef>
+      <a:effectRef idx="0">
+        <a:scrgbClr r="0" g="0" b="0"/>
+      </a:effectRef>
+      <a:fontRef idx="minor"/>
+    </dgm:style>
+  </dgm:styleLbl>
+  <dgm:styleLbl name="trBgShp">
+    <dgm:scene3d>
+      <a:camera prst="orthographicFront"/>
+      <a:lightRig rig="threePt" dir="t"/>
+    </dgm:scene3d>
+    <dgm:sp3d/>
+    <dgm:txPr/>
+    <dgm:style>
+      <a:lnRef idx="0">
+        <a:scrgbClr r="0" g="0" b="0"/>
+      </a:lnRef>
+      <a:fillRef idx="1">
+        <a:scrgbClr r="0" g="0" b="0"/>
+      </a:fillRef>
+      <a:effectRef idx="0">
+        <a:scrgbClr r="0" g="0" b="0"/>
+      </a:effectRef>
+      <a:fontRef idx="minor"/>
+    </dgm:style>
+  </dgm:styleLbl>
+  <dgm:styleLbl name="fgShp">
+    <dgm:scene3d>
+      <a:camera prst="orthographicFront"/>
+      <a:lightRig rig="threePt" dir="t"/>
+    </dgm:scene3d>
+    <dgm:sp3d/>
+    <dgm:txPr/>
+    <dgm:style>
+      <a:lnRef idx="2">
+        <a:scrgbClr r="0" g="0" b="0"/>
+      </a:lnRef>
+      <a:fillRef idx="1">
+        <a:scrgbClr r="0" g="0" b="0"/>
+      </a:fillRef>
+      <a:effectRef idx="0">
+        <a:scrgbClr r="0" g="0" b="0"/>
+      </a:effectRef>
+      <a:fontRef idx="minor"/>
+    </dgm:style>
+  </dgm:styleLbl>
+  <dgm:styleLbl name="revTx">
+    <dgm:scene3d>
+      <a:camera prst="orthographicFront"/>
+      <a:lightRig rig="threePt" dir="t"/>
+    </dgm:scene3d>
+    <dgm:sp3d/>
+    <dgm:txPr/>
+    <dgm:style>
+      <a:lnRef idx="0">
+        <a:scrgbClr r="0" g="0" b="0"/>
+      </a:lnRef>
+      <a:fillRef idx="0">
+        <a:scrgbClr r="0" g="0" b="0"/>
+      </a:fillRef>
+      <a:effectRef idx="0">
+        <a:scrgbClr r="0" g="0" b="0"/>
+      </a:effectRef>
+      <a:fontRef idx="minor"/>
+    </dgm:style>
+  </dgm:styleLbl>
+</dgm:styleDef>
+</file>
+
 <file path=ppt/diagrams/quickStyle2.xml><?xml version="1.0" encoding="utf-8"?>
 <dgm:styleDef xmlns:dgm="http://schemas.openxmlformats.org/drawingml/2006/diagram" xmlns:a="http://schemas.openxmlformats.org/drawingml/2006/main" uniqueId="urn:microsoft.com/office/officeart/2005/8/quickstyle/simple1">
   <dgm:title val=""/>
@@ -37177,7 +40287,7 @@
           <a:p>
             <a:fld id="{C2E97FD6-B269-4CD7-A073-512C01108090}" type="datetimeFigureOut">
               <a:rPr lang="fr-FR" smtClean="0"/>
-              <a:t>27/09/2023</a:t>
+              <a:t>29/09/2023</a:t>
             </a:fld>
             <a:endParaRPr lang="fr-FR"/>
           </a:p>
@@ -37385,7 +40495,7 @@
           <a:p>
             <a:fld id="{C2E97FD6-B269-4CD7-A073-512C01108090}" type="datetimeFigureOut">
               <a:rPr lang="fr-FR" smtClean="0"/>
-              <a:t>27/09/2023</a:t>
+              <a:t>29/09/2023</a:t>
             </a:fld>
             <a:endParaRPr lang="fr-FR"/>
           </a:p>
@@ -37641,7 +40751,7 @@
           <a:p>
             <a:fld id="{C2E97FD6-B269-4CD7-A073-512C01108090}" type="datetimeFigureOut">
               <a:rPr lang="fr-FR" smtClean="0"/>
-              <a:t>27/09/2023</a:t>
+              <a:t>29/09/2023</a:t>
             </a:fld>
             <a:endParaRPr lang="fr-FR"/>
           </a:p>
@@ -37811,7 +40921,7 @@
           <a:p>
             <a:fld id="{C2E97FD6-B269-4CD7-A073-512C01108090}" type="datetimeFigureOut">
               <a:rPr lang="fr-FR" smtClean="0"/>
-              <a:t>27/09/2023</a:t>
+              <a:t>29/09/2023</a:t>
             </a:fld>
             <a:endParaRPr lang="fr-FR"/>
           </a:p>
@@ -38154,7 +41264,7 @@
           <a:p>
             <a:fld id="{C2E97FD6-B269-4CD7-A073-512C01108090}" type="datetimeFigureOut">
               <a:rPr lang="fr-FR" smtClean="0"/>
-              <a:t>27/09/2023</a:t>
+              <a:t>29/09/2023</a:t>
             </a:fld>
             <a:endParaRPr lang="fr-FR"/>
           </a:p>
@@ -38429,7 +41539,7 @@
           <a:p>
             <a:fld id="{C2E97FD6-B269-4CD7-A073-512C01108090}" type="datetimeFigureOut">
               <a:rPr lang="fr-FR" smtClean="0"/>
-              <a:t>27/09/2023</a:t>
+              <a:t>29/09/2023</a:t>
             </a:fld>
             <a:endParaRPr lang="fr-FR"/>
           </a:p>
@@ -38808,7 +41918,7 @@
           <a:p>
             <a:fld id="{C2E97FD6-B269-4CD7-A073-512C01108090}" type="datetimeFigureOut">
               <a:rPr lang="fr-FR" smtClean="0"/>
-              <a:t>27/09/2023</a:t>
+              <a:t>29/09/2023</a:t>
             </a:fld>
             <a:endParaRPr lang="fr-FR"/>
           </a:p>
@@ -38926,7 +42036,7 @@
           <a:p>
             <a:fld id="{C2E97FD6-B269-4CD7-A073-512C01108090}" type="datetimeFigureOut">
               <a:rPr lang="fr-FR" smtClean="0"/>
-              <a:t>27/09/2023</a:t>
+              <a:t>29/09/2023</a:t>
             </a:fld>
             <a:endParaRPr lang="fr-FR"/>
           </a:p>
@@ -39097,7 +42207,7 @@
           <a:p>
             <a:fld id="{C2E97FD6-B269-4CD7-A073-512C01108090}" type="datetimeFigureOut">
               <a:rPr lang="fr-FR" smtClean="0"/>
-              <a:t>27/09/2023</a:t>
+              <a:t>29/09/2023</a:t>
             </a:fld>
             <a:endParaRPr lang="fr-FR"/>
           </a:p>
@@ -39451,7 +42561,7 @@
           <a:p>
             <a:fld id="{C2E97FD6-B269-4CD7-A073-512C01108090}" type="datetimeFigureOut">
               <a:rPr lang="fr-FR" smtClean="0"/>
-              <a:t>27/09/2023</a:t>
+              <a:t>29/09/2023</a:t>
             </a:fld>
             <a:endParaRPr lang="fr-FR"/>
           </a:p>
@@ -39828,7 +42938,7 @@
           <a:p>
             <a:fld id="{C2E97FD6-B269-4CD7-A073-512C01108090}" type="datetimeFigureOut">
               <a:rPr lang="fr-FR" smtClean="0"/>
-              <a:t>27/09/2023</a:t>
+              <a:t>29/09/2023</a:t>
             </a:fld>
             <a:endParaRPr lang="fr-FR"/>
           </a:p>
@@ -40115,7 +43225,7 @@
           <a:p>
             <a:fld id="{C2E97FD6-B269-4CD7-A073-512C01108090}" type="datetimeFigureOut">
               <a:rPr lang="fr-FR" smtClean="0"/>
-              <a:t>27/09/2023</a:t>
+              <a:t>29/09/2023</a:t>
             </a:fld>
             <a:endParaRPr lang="fr-FR"/>
           </a:p>
@@ -42239,6 +45349,183 @@
 </p:sld>
 </file>
 
+<file path=ppt/slides/slide17.xml><?xml version="1.0" encoding="utf-8"?>
+<p:sld xmlns:a="http://schemas.openxmlformats.org/drawingml/2006/main" xmlns:r="http://schemas.openxmlformats.org/officeDocument/2006/relationships" xmlns:p="http://schemas.openxmlformats.org/presentationml/2006/main">
+  <p:cSld>
+    <p:spTree>
+      <p:nvGrpSpPr>
+        <p:cNvPr id="1" name=""/>
+        <p:cNvGrpSpPr/>
+        <p:nvPr/>
+      </p:nvGrpSpPr>
+      <p:grpSpPr>
+        <a:xfrm>
+          <a:off x="0" y="0"/>
+          <a:ext cx="0" cy="0"/>
+          <a:chOff x="0" y="0"/>
+          <a:chExt cx="0" cy="0"/>
+        </a:xfrm>
+      </p:grpSpPr>
+      <p:sp>
+        <p:nvSpPr>
+          <p:cNvPr id="2" name="Title 1">
+            <a:extLst>
+              <a:ext uri="{FF2B5EF4-FFF2-40B4-BE49-F238E27FC236}">
+                <a16:creationId xmlns:a16="http://schemas.microsoft.com/office/drawing/2014/main" id="{0A5BD5DC-7AAB-4190-9BA6-40F74FDFFE9A}"/>
+              </a:ext>
+            </a:extLst>
+          </p:cNvPr>
+          <p:cNvSpPr>
+            <a:spLocks noGrp="1"/>
+          </p:cNvSpPr>
+          <p:nvPr>
+            <p:ph type="title"/>
+          </p:nvPr>
+        </p:nvSpPr>
+        <p:spPr/>
+        <p:txBody>
+          <a:bodyPr/>
+          <a:lstStyle/>
+          <a:p>
+            <a:r>
+              <a:rPr lang="en-GB" dirty="0"/>
+              <a:t>Add CORS</a:t>
+            </a:r>
+            <a:endParaRPr lang="fr-FR" dirty="0"/>
+          </a:p>
+        </p:txBody>
+      </p:sp>
+      <p:graphicFrame>
+        <p:nvGraphicFramePr>
+          <p:cNvPr id="4" name="Content Placeholder 3">
+            <a:extLst>
+              <a:ext uri="{FF2B5EF4-FFF2-40B4-BE49-F238E27FC236}">
+                <a16:creationId xmlns:a16="http://schemas.microsoft.com/office/drawing/2014/main" id="{36F73C1B-38CB-4C03-9504-9491A19F7B78}"/>
+              </a:ext>
+            </a:extLst>
+          </p:cNvPr>
+          <p:cNvGraphicFramePr>
+            <a:graphicFrameLocks noGrp="1"/>
+          </p:cNvGraphicFramePr>
+          <p:nvPr>
+            <p:ph idx="1"/>
+            <p:extLst>
+              <p:ext uri="{D42A27DB-BD31-4B8C-83A1-F6EECF244321}">
+                <p14:modId xmlns:p14="http://schemas.microsoft.com/office/powerpoint/2010/main" val="1416818374"/>
+              </p:ext>
+            </p:extLst>
+          </p:nvPr>
+        </p:nvGraphicFramePr>
+        <p:xfrm>
+          <a:off x="1097280" y="1845734"/>
+          <a:ext cx="10058400" cy="4023360"/>
+        </p:xfrm>
+        <a:graphic>
+          <a:graphicData uri="http://schemas.openxmlformats.org/drawingml/2006/diagram">
+            <dgm:relIds xmlns:dgm="http://schemas.openxmlformats.org/drawingml/2006/diagram" xmlns:r="http://schemas.openxmlformats.org/officeDocument/2006/relationships" r:dm="rId2" r:lo="rId3" r:qs="rId4" r:cs="rId5"/>
+          </a:graphicData>
+        </a:graphic>
+      </p:graphicFrame>
+      <p:pic>
+        <p:nvPicPr>
+          <p:cNvPr id="5" name="Picture 4">
+            <a:extLst>
+              <a:ext uri="{FF2B5EF4-FFF2-40B4-BE49-F238E27FC236}">
+                <a16:creationId xmlns:a16="http://schemas.microsoft.com/office/drawing/2014/main" id="{97CB94F0-97CC-41A7-B7C2-8994E1BB2AF9}"/>
+              </a:ext>
+            </a:extLst>
+          </p:cNvPr>
+          <p:cNvPicPr>
+            <a:picLocks noChangeAspect="1"/>
+          </p:cNvPicPr>
+          <p:nvPr/>
+        </p:nvPicPr>
+        <p:blipFill>
+          <a:blip r:embed="rId7">
+            <a:extLst>
+              <a:ext uri="{BEBA8EAE-BF5A-486C-A8C5-ECC9F3942E4B}">
+                <a14:imgProps xmlns:a14="http://schemas.microsoft.com/office/drawing/2010/main">
+                  <a14:imgLayer r:embed="rId8">
+                    <a14:imgEffect>
+                      <a14:backgroundRemoval t="10000" b="90000" l="10000" r="90000"/>
+                    </a14:imgEffect>
+                  </a14:imgLayer>
+                </a14:imgProps>
+              </a:ext>
+              <a:ext uri="{28A0092B-C50C-407E-A947-70E740481C1C}">
+                <a14:useLocalDpi xmlns:a14="http://schemas.microsoft.com/office/drawing/2010/main" val="0"/>
+              </a:ext>
+            </a:extLst>
+          </a:blip>
+          <a:stretch>
+            <a:fillRect/>
+          </a:stretch>
+        </p:blipFill>
+        <p:spPr>
+          <a:xfrm>
+            <a:off x="10941799" y="5598621"/>
+            <a:ext cx="1479784" cy="1479784"/>
+          </a:xfrm>
+          <a:prstGeom prst="rect">
+            <a:avLst/>
+          </a:prstGeom>
+        </p:spPr>
+      </p:pic>
+      <p:sp>
+        <p:nvSpPr>
+          <p:cNvPr id="7" name="TextBox 6">
+            <a:extLst>
+              <a:ext uri="{FF2B5EF4-FFF2-40B4-BE49-F238E27FC236}">
+                <a16:creationId xmlns:a16="http://schemas.microsoft.com/office/drawing/2014/main" id="{CC7010E2-CF14-4707-A815-5164D5C65265}"/>
+              </a:ext>
+            </a:extLst>
+          </p:cNvPr>
+          <p:cNvSpPr txBox="1"/>
+          <p:nvPr/>
+        </p:nvSpPr>
+        <p:spPr>
+          <a:xfrm>
+            <a:off x="1097280" y="6409081"/>
+            <a:ext cx="6964540" cy="369332"/>
+          </a:xfrm>
+          <a:prstGeom prst="rect">
+            <a:avLst/>
+          </a:prstGeom>
+          <a:noFill/>
+        </p:spPr>
+        <p:txBody>
+          <a:bodyPr wrap="square">
+            <a:spAutoFit/>
+          </a:bodyPr>
+          <a:lstStyle/>
+          <a:p>
+            <a:r>
+              <a:rPr lang="en-GB" dirty="0">
+                <a:solidFill>
+                  <a:schemeClr val="accent1">
+                    <a:lumMod val="50000"/>
+                  </a:schemeClr>
+                </a:solidFill>
+              </a:rPr>
+              <a:t>Code Mentor Mauritius - Dotnet Sessions – Full Stack Web Development</a:t>
+            </a:r>
+            <a:endParaRPr lang="fr-FR" dirty="0"/>
+          </a:p>
+        </p:txBody>
+      </p:sp>
+    </p:spTree>
+    <p:extLst>
+      <p:ext uri="{BB962C8B-B14F-4D97-AF65-F5344CB8AC3E}">
+        <p14:creationId xmlns:p14="http://schemas.microsoft.com/office/powerpoint/2010/main" val="2786180649"/>
+      </p:ext>
+    </p:extLst>
+  </p:cSld>
+  <p:clrMapOvr>
+    <a:masterClrMapping/>
+  </p:clrMapOvr>
+</p:sld>
+</file>
+
 <file path=ppt/slides/slide2.xml><?xml version="1.0" encoding="utf-8"?>
 <p:sld xmlns:a="http://schemas.openxmlformats.org/drawingml/2006/main" xmlns:r="http://schemas.openxmlformats.org/officeDocument/2006/relationships" xmlns:p="http://schemas.openxmlformats.org/presentationml/2006/main">
   <p:cSld>
